--- a/DAM/Lenguaje de Marcas/UD1/LMCPUD1/LMCPUD1.pptx
+++ b/DAM/Lenguaje de Marcas/UD1/LMCPUD1/LMCPUD1.pptx
@@ -20,6 +20,13 @@
     <p:sldId id="265" r:id="rId17"/>
     <p:sldId id="266" r:id="rId18"/>
     <p:sldId id="267" r:id="rId19"/>
+    <p:sldId id="268" r:id="rId20"/>
+    <p:sldId id="269" r:id="rId21"/>
+    <p:sldId id="270" r:id="rId22"/>
+    <p:sldId id="271" r:id="rId23"/>
+    <p:sldId id="272" r:id="rId24"/>
+    <p:sldId id="273" r:id="rId25"/>
+    <p:sldId id="274" r:id="rId26"/>
   </p:sldIdLst>
   <p:sldSz cx="9144000" cy="5143500"/>
   <p:notesSz cx="6858000" cy="9144000"/>
@@ -77,7 +84,7 @@
         <a:latin typeface="+mn-lt"/>
         <a:ea typeface="+mn-ea"/>
         <a:cs typeface="+mn-cs"/>
-        <a:sym typeface="Calibri"/>
+        <a:sym typeface="Helvetica"/>
       </a:defRPr>
     </a:lvl1pPr>
     <a:lvl2pPr marL="0" marR="0" indent="457200" algn="l" defTabSz="914400" rtl="0" fontAlgn="auto" latinLnBrk="0" hangingPunct="0">
@@ -107,7 +114,7 @@
         <a:latin typeface="+mn-lt"/>
         <a:ea typeface="+mn-ea"/>
         <a:cs typeface="+mn-cs"/>
-        <a:sym typeface="Calibri"/>
+        <a:sym typeface="Helvetica"/>
       </a:defRPr>
     </a:lvl2pPr>
     <a:lvl3pPr marL="0" marR="0" indent="914400" algn="l" defTabSz="914400" rtl="0" fontAlgn="auto" latinLnBrk="0" hangingPunct="0">
@@ -137,7 +144,7 @@
         <a:latin typeface="+mn-lt"/>
         <a:ea typeface="+mn-ea"/>
         <a:cs typeface="+mn-cs"/>
-        <a:sym typeface="Calibri"/>
+        <a:sym typeface="Helvetica"/>
       </a:defRPr>
     </a:lvl3pPr>
     <a:lvl4pPr marL="0" marR="0" indent="1371600" algn="l" defTabSz="914400" rtl="0" fontAlgn="auto" latinLnBrk="0" hangingPunct="0">
@@ -167,7 +174,7 @@
         <a:latin typeface="+mn-lt"/>
         <a:ea typeface="+mn-ea"/>
         <a:cs typeface="+mn-cs"/>
-        <a:sym typeface="Calibri"/>
+        <a:sym typeface="Helvetica"/>
       </a:defRPr>
     </a:lvl4pPr>
     <a:lvl5pPr marL="0" marR="0" indent="1828800" algn="l" defTabSz="914400" rtl="0" fontAlgn="auto" latinLnBrk="0" hangingPunct="0">
@@ -197,7 +204,7 @@
         <a:latin typeface="+mn-lt"/>
         <a:ea typeface="+mn-ea"/>
         <a:cs typeface="+mn-cs"/>
-        <a:sym typeface="Calibri"/>
+        <a:sym typeface="Helvetica"/>
       </a:defRPr>
     </a:lvl5pPr>
     <a:lvl6pPr marL="0" marR="0" indent="2286000" algn="l" defTabSz="914400" rtl="0" fontAlgn="auto" latinLnBrk="0" hangingPunct="0">
@@ -227,7 +234,7 @@
         <a:latin typeface="+mn-lt"/>
         <a:ea typeface="+mn-ea"/>
         <a:cs typeface="+mn-cs"/>
-        <a:sym typeface="Calibri"/>
+        <a:sym typeface="Helvetica"/>
       </a:defRPr>
     </a:lvl6pPr>
     <a:lvl7pPr marL="0" marR="0" indent="2743200" algn="l" defTabSz="914400" rtl="0" fontAlgn="auto" latinLnBrk="0" hangingPunct="0">
@@ -257,7 +264,7 @@
         <a:latin typeface="+mn-lt"/>
         <a:ea typeface="+mn-ea"/>
         <a:cs typeface="+mn-cs"/>
-        <a:sym typeface="Calibri"/>
+        <a:sym typeface="Helvetica"/>
       </a:defRPr>
     </a:lvl7pPr>
     <a:lvl8pPr marL="0" marR="0" indent="3200400" algn="l" defTabSz="914400" rtl="0" fontAlgn="auto" latinLnBrk="0" hangingPunct="0">
@@ -287,7 +294,7 @@
         <a:latin typeface="+mn-lt"/>
         <a:ea typeface="+mn-ea"/>
         <a:cs typeface="+mn-cs"/>
-        <a:sym typeface="Calibri"/>
+        <a:sym typeface="Helvetica"/>
       </a:defRPr>
     </a:lvl8pPr>
     <a:lvl9pPr marL="0" marR="0" indent="3657600" algn="l" defTabSz="914400" rtl="0" fontAlgn="auto" latinLnBrk="0" hangingPunct="0">
@@ -317,7 +324,7 @@
         <a:latin typeface="+mn-lt"/>
         <a:ea typeface="+mn-ea"/>
         <a:cs typeface="+mn-cs"/>
-        <a:sym typeface="Calibri"/>
+        <a:sym typeface="Helvetica"/>
       </a:defRPr>
     </a:lvl9pPr>
   </p:defaultTextStyle>
@@ -404,7 +411,7 @@
         <a:latin typeface="+mn-lt"/>
         <a:ea typeface="+mn-ea"/>
         <a:cs typeface="+mn-cs"/>
-        <a:sym typeface="Calibri"/>
+        <a:sym typeface="Helvetica"/>
       </a:defRPr>
     </a:lvl1pPr>
     <a:lvl2pPr indent="228600" latinLnBrk="0">
@@ -412,7 +419,7 @@
         <a:latin typeface="+mn-lt"/>
         <a:ea typeface="+mn-ea"/>
         <a:cs typeface="+mn-cs"/>
-        <a:sym typeface="Calibri"/>
+        <a:sym typeface="Helvetica"/>
       </a:defRPr>
     </a:lvl2pPr>
     <a:lvl3pPr indent="457200" latinLnBrk="0">
@@ -420,7 +427,7 @@
         <a:latin typeface="+mn-lt"/>
         <a:ea typeface="+mn-ea"/>
         <a:cs typeface="+mn-cs"/>
-        <a:sym typeface="Calibri"/>
+        <a:sym typeface="Helvetica"/>
       </a:defRPr>
     </a:lvl3pPr>
     <a:lvl4pPr indent="685800" latinLnBrk="0">
@@ -428,7 +435,7 @@
         <a:latin typeface="+mn-lt"/>
         <a:ea typeface="+mn-ea"/>
         <a:cs typeface="+mn-cs"/>
-        <a:sym typeface="Calibri"/>
+        <a:sym typeface="Helvetica"/>
       </a:defRPr>
     </a:lvl4pPr>
     <a:lvl5pPr indent="914400" latinLnBrk="0">
@@ -436,7 +443,7 @@
         <a:latin typeface="+mn-lt"/>
         <a:ea typeface="+mn-ea"/>
         <a:cs typeface="+mn-cs"/>
-        <a:sym typeface="Calibri"/>
+        <a:sym typeface="Helvetica"/>
       </a:defRPr>
     </a:lvl5pPr>
     <a:lvl6pPr indent="1143000" latinLnBrk="0">
@@ -444,7 +451,7 @@
         <a:latin typeface="+mn-lt"/>
         <a:ea typeface="+mn-ea"/>
         <a:cs typeface="+mn-cs"/>
-        <a:sym typeface="Calibri"/>
+        <a:sym typeface="Helvetica"/>
       </a:defRPr>
     </a:lvl6pPr>
     <a:lvl7pPr indent="1371600" latinLnBrk="0">
@@ -452,7 +459,7 @@
         <a:latin typeface="+mn-lt"/>
         <a:ea typeface="+mn-ea"/>
         <a:cs typeface="+mn-cs"/>
-        <a:sym typeface="Calibri"/>
+        <a:sym typeface="Helvetica"/>
       </a:defRPr>
     </a:lvl7pPr>
     <a:lvl8pPr indent="1600200" latinLnBrk="0">
@@ -460,7 +467,7 @@
         <a:latin typeface="+mn-lt"/>
         <a:ea typeface="+mn-ea"/>
         <a:cs typeface="+mn-cs"/>
-        <a:sym typeface="Calibri"/>
+        <a:sym typeface="Helvetica"/>
       </a:defRPr>
     </a:lvl8pPr>
     <a:lvl9pPr indent="1828800" latinLnBrk="0">
@@ -468,7 +475,7 @@
         <a:latin typeface="+mn-lt"/>
         <a:ea typeface="+mn-ea"/>
         <a:cs typeface="+mn-cs"/>
-        <a:sym typeface="Calibri"/>
+        <a:sym typeface="Helvetica"/>
       </a:defRPr>
     </a:lvl9pPr>
   </p:notesStyle>
@@ -1253,9 +1260,9 @@
             <a:srgbClr val="000000"/>
           </a:solidFill>
           <a:uFillTx/>
-          <a:latin typeface="+mj-lt"/>
-          <a:ea typeface="+mj-ea"/>
-          <a:cs typeface="+mj-cs"/>
+          <a:latin typeface="+mn-lt"/>
+          <a:ea typeface="+mn-ea"/>
+          <a:cs typeface="+mn-cs"/>
           <a:sym typeface="Helvetica"/>
         </a:defRPr>
       </a:lvl1pPr>
@@ -1279,9 +1286,9 @@
             <a:srgbClr val="000000"/>
           </a:solidFill>
           <a:uFillTx/>
-          <a:latin typeface="+mj-lt"/>
-          <a:ea typeface="+mj-ea"/>
-          <a:cs typeface="+mj-cs"/>
+          <a:latin typeface="+mn-lt"/>
+          <a:ea typeface="+mn-ea"/>
+          <a:cs typeface="+mn-cs"/>
           <a:sym typeface="Helvetica"/>
         </a:defRPr>
       </a:lvl2pPr>
@@ -1305,9 +1312,9 @@
             <a:srgbClr val="000000"/>
           </a:solidFill>
           <a:uFillTx/>
-          <a:latin typeface="+mj-lt"/>
-          <a:ea typeface="+mj-ea"/>
-          <a:cs typeface="+mj-cs"/>
+          <a:latin typeface="+mn-lt"/>
+          <a:ea typeface="+mn-ea"/>
+          <a:cs typeface="+mn-cs"/>
           <a:sym typeface="Helvetica"/>
         </a:defRPr>
       </a:lvl3pPr>
@@ -1331,9 +1338,9 @@
             <a:srgbClr val="000000"/>
           </a:solidFill>
           <a:uFillTx/>
-          <a:latin typeface="+mj-lt"/>
-          <a:ea typeface="+mj-ea"/>
-          <a:cs typeface="+mj-cs"/>
+          <a:latin typeface="+mn-lt"/>
+          <a:ea typeface="+mn-ea"/>
+          <a:cs typeface="+mn-cs"/>
           <a:sym typeface="Helvetica"/>
         </a:defRPr>
       </a:lvl4pPr>
@@ -1357,9 +1364,9 @@
             <a:srgbClr val="000000"/>
           </a:solidFill>
           <a:uFillTx/>
-          <a:latin typeface="+mj-lt"/>
-          <a:ea typeface="+mj-ea"/>
-          <a:cs typeface="+mj-cs"/>
+          <a:latin typeface="+mn-lt"/>
+          <a:ea typeface="+mn-ea"/>
+          <a:cs typeface="+mn-cs"/>
           <a:sym typeface="Helvetica"/>
         </a:defRPr>
       </a:lvl5pPr>
@@ -1383,9 +1390,9 @@
             <a:srgbClr val="000000"/>
           </a:solidFill>
           <a:uFillTx/>
-          <a:latin typeface="+mj-lt"/>
-          <a:ea typeface="+mj-ea"/>
-          <a:cs typeface="+mj-cs"/>
+          <a:latin typeface="+mn-lt"/>
+          <a:ea typeface="+mn-ea"/>
+          <a:cs typeface="+mn-cs"/>
           <a:sym typeface="Helvetica"/>
         </a:defRPr>
       </a:lvl6pPr>
@@ -1409,9 +1416,9 @@
             <a:srgbClr val="000000"/>
           </a:solidFill>
           <a:uFillTx/>
-          <a:latin typeface="+mj-lt"/>
-          <a:ea typeface="+mj-ea"/>
-          <a:cs typeface="+mj-cs"/>
+          <a:latin typeface="+mn-lt"/>
+          <a:ea typeface="+mn-ea"/>
+          <a:cs typeface="+mn-cs"/>
           <a:sym typeface="Helvetica"/>
         </a:defRPr>
       </a:lvl7pPr>
@@ -1435,9 +1442,9 @@
             <a:srgbClr val="000000"/>
           </a:solidFill>
           <a:uFillTx/>
-          <a:latin typeface="+mj-lt"/>
-          <a:ea typeface="+mj-ea"/>
-          <a:cs typeface="+mj-cs"/>
+          <a:latin typeface="+mn-lt"/>
+          <a:ea typeface="+mn-ea"/>
+          <a:cs typeface="+mn-cs"/>
           <a:sym typeface="Helvetica"/>
         </a:defRPr>
       </a:lvl8pPr>
@@ -1461,9 +1468,9 @@
             <a:srgbClr val="000000"/>
           </a:solidFill>
           <a:uFillTx/>
-          <a:latin typeface="+mj-lt"/>
-          <a:ea typeface="+mj-ea"/>
-          <a:cs typeface="+mj-cs"/>
+          <a:latin typeface="+mn-lt"/>
+          <a:ea typeface="+mn-ea"/>
+          <a:cs typeface="+mn-cs"/>
           <a:sym typeface="Helvetica"/>
         </a:defRPr>
       </a:lvl9pPr>
@@ -1489,9 +1496,9 @@
             <a:srgbClr val="000000"/>
           </a:solidFill>
           <a:uFillTx/>
-          <a:latin typeface="+mj-lt"/>
-          <a:ea typeface="+mj-ea"/>
-          <a:cs typeface="+mj-cs"/>
+          <a:latin typeface="+mn-lt"/>
+          <a:ea typeface="+mn-ea"/>
+          <a:cs typeface="+mn-cs"/>
           <a:sym typeface="Helvetica"/>
         </a:defRPr>
       </a:lvl1pPr>
@@ -1515,9 +1522,9 @@
             <a:srgbClr val="000000"/>
           </a:solidFill>
           <a:uFillTx/>
-          <a:latin typeface="+mj-lt"/>
-          <a:ea typeface="+mj-ea"/>
-          <a:cs typeface="+mj-cs"/>
+          <a:latin typeface="+mn-lt"/>
+          <a:ea typeface="+mn-ea"/>
+          <a:cs typeface="+mn-cs"/>
           <a:sym typeface="Helvetica"/>
         </a:defRPr>
       </a:lvl2pPr>
@@ -1541,9 +1548,9 @@
             <a:srgbClr val="000000"/>
           </a:solidFill>
           <a:uFillTx/>
-          <a:latin typeface="+mj-lt"/>
-          <a:ea typeface="+mj-ea"/>
-          <a:cs typeface="+mj-cs"/>
+          <a:latin typeface="+mn-lt"/>
+          <a:ea typeface="+mn-ea"/>
+          <a:cs typeface="+mn-cs"/>
           <a:sym typeface="Helvetica"/>
         </a:defRPr>
       </a:lvl3pPr>
@@ -1567,9 +1574,9 @@
             <a:srgbClr val="000000"/>
           </a:solidFill>
           <a:uFillTx/>
-          <a:latin typeface="+mj-lt"/>
-          <a:ea typeface="+mj-ea"/>
-          <a:cs typeface="+mj-cs"/>
+          <a:latin typeface="+mn-lt"/>
+          <a:ea typeface="+mn-ea"/>
+          <a:cs typeface="+mn-cs"/>
           <a:sym typeface="Helvetica"/>
         </a:defRPr>
       </a:lvl4pPr>
@@ -1593,9 +1600,9 @@
             <a:srgbClr val="000000"/>
           </a:solidFill>
           <a:uFillTx/>
-          <a:latin typeface="+mj-lt"/>
-          <a:ea typeface="+mj-ea"/>
-          <a:cs typeface="+mj-cs"/>
+          <a:latin typeface="+mn-lt"/>
+          <a:ea typeface="+mn-ea"/>
+          <a:cs typeface="+mn-cs"/>
           <a:sym typeface="Helvetica"/>
         </a:defRPr>
       </a:lvl5pPr>
@@ -1619,9 +1626,9 @@
             <a:srgbClr val="000000"/>
           </a:solidFill>
           <a:uFillTx/>
-          <a:latin typeface="+mj-lt"/>
-          <a:ea typeface="+mj-ea"/>
-          <a:cs typeface="+mj-cs"/>
+          <a:latin typeface="+mn-lt"/>
+          <a:ea typeface="+mn-ea"/>
+          <a:cs typeface="+mn-cs"/>
           <a:sym typeface="Helvetica"/>
         </a:defRPr>
       </a:lvl6pPr>
@@ -1645,9 +1652,9 @@
             <a:srgbClr val="000000"/>
           </a:solidFill>
           <a:uFillTx/>
-          <a:latin typeface="+mj-lt"/>
-          <a:ea typeface="+mj-ea"/>
-          <a:cs typeface="+mj-cs"/>
+          <a:latin typeface="+mn-lt"/>
+          <a:ea typeface="+mn-ea"/>
+          <a:cs typeface="+mn-cs"/>
           <a:sym typeface="Helvetica"/>
         </a:defRPr>
       </a:lvl7pPr>
@@ -1671,9 +1678,9 @@
             <a:srgbClr val="000000"/>
           </a:solidFill>
           <a:uFillTx/>
-          <a:latin typeface="+mj-lt"/>
-          <a:ea typeface="+mj-ea"/>
-          <a:cs typeface="+mj-cs"/>
+          <a:latin typeface="+mn-lt"/>
+          <a:ea typeface="+mn-ea"/>
+          <a:cs typeface="+mn-cs"/>
           <a:sym typeface="Helvetica"/>
         </a:defRPr>
       </a:lvl8pPr>
@@ -1697,9 +1704,9 @@
             <a:srgbClr val="000000"/>
           </a:solidFill>
           <a:uFillTx/>
-          <a:latin typeface="+mj-lt"/>
-          <a:ea typeface="+mj-ea"/>
-          <a:cs typeface="+mj-cs"/>
+          <a:latin typeface="+mn-lt"/>
+          <a:ea typeface="+mn-ea"/>
+          <a:cs typeface="+mn-cs"/>
           <a:sym typeface="Helvetica"/>
         </a:defRPr>
       </a:lvl9pPr>
@@ -1728,7 +1735,7 @@
           <a:latin typeface="+mn-lt"/>
           <a:ea typeface="+mn-ea"/>
           <a:cs typeface="+mn-cs"/>
-          <a:sym typeface="Calibri"/>
+          <a:sym typeface="Helvetica"/>
         </a:defRPr>
       </a:lvl1pPr>
       <a:lvl2pPr marL="0" marR="0" indent="457200" algn="r" defTabSz="914400" rtl="0" latinLnBrk="0">
@@ -1754,7 +1761,7 @@
           <a:latin typeface="+mn-lt"/>
           <a:ea typeface="+mn-ea"/>
           <a:cs typeface="+mn-cs"/>
-          <a:sym typeface="Calibri"/>
+          <a:sym typeface="Helvetica"/>
         </a:defRPr>
       </a:lvl2pPr>
       <a:lvl3pPr marL="0" marR="0" indent="914400" algn="r" defTabSz="914400" rtl="0" latinLnBrk="0">
@@ -1780,7 +1787,7 @@
           <a:latin typeface="+mn-lt"/>
           <a:ea typeface="+mn-ea"/>
           <a:cs typeface="+mn-cs"/>
-          <a:sym typeface="Calibri"/>
+          <a:sym typeface="Helvetica"/>
         </a:defRPr>
       </a:lvl3pPr>
       <a:lvl4pPr marL="0" marR="0" indent="1371600" algn="r" defTabSz="914400" rtl="0" latinLnBrk="0">
@@ -1806,7 +1813,7 @@
           <a:latin typeface="+mn-lt"/>
           <a:ea typeface="+mn-ea"/>
           <a:cs typeface="+mn-cs"/>
-          <a:sym typeface="Calibri"/>
+          <a:sym typeface="Helvetica"/>
         </a:defRPr>
       </a:lvl4pPr>
       <a:lvl5pPr marL="0" marR="0" indent="1828800" algn="r" defTabSz="914400" rtl="0" latinLnBrk="0">
@@ -1832,7 +1839,7 @@
           <a:latin typeface="+mn-lt"/>
           <a:ea typeface="+mn-ea"/>
           <a:cs typeface="+mn-cs"/>
-          <a:sym typeface="Calibri"/>
+          <a:sym typeface="Helvetica"/>
         </a:defRPr>
       </a:lvl5pPr>
       <a:lvl6pPr marL="0" marR="0" indent="2286000" algn="r" defTabSz="914400" rtl="0" latinLnBrk="0">
@@ -1858,7 +1865,7 @@
           <a:latin typeface="+mn-lt"/>
           <a:ea typeface="+mn-ea"/>
           <a:cs typeface="+mn-cs"/>
-          <a:sym typeface="Calibri"/>
+          <a:sym typeface="Helvetica"/>
         </a:defRPr>
       </a:lvl6pPr>
       <a:lvl7pPr marL="0" marR="0" indent="2743200" algn="r" defTabSz="914400" rtl="0" latinLnBrk="0">
@@ -1884,7 +1891,7 @@
           <a:latin typeface="+mn-lt"/>
           <a:ea typeface="+mn-ea"/>
           <a:cs typeface="+mn-cs"/>
-          <a:sym typeface="Calibri"/>
+          <a:sym typeface="Helvetica"/>
         </a:defRPr>
       </a:lvl7pPr>
       <a:lvl8pPr marL="0" marR="0" indent="3200400" algn="r" defTabSz="914400" rtl="0" latinLnBrk="0">
@@ -1910,7 +1917,7 @@
           <a:latin typeface="+mn-lt"/>
           <a:ea typeface="+mn-ea"/>
           <a:cs typeface="+mn-cs"/>
-          <a:sym typeface="Calibri"/>
+          <a:sym typeface="Helvetica"/>
         </a:defRPr>
       </a:lvl8pPr>
       <a:lvl9pPr marL="0" marR="0" indent="3657600" algn="r" defTabSz="914400" rtl="0" latinLnBrk="0">
@@ -1936,7 +1943,7 @@
           <a:latin typeface="+mn-lt"/>
           <a:ea typeface="+mn-ea"/>
           <a:cs typeface="+mn-cs"/>
-          <a:sym typeface="Calibri"/>
+          <a:sym typeface="Helvetica"/>
         </a:defRPr>
       </a:lvl9pPr>
     </p:otherStyle>
@@ -2011,13 +2018,13 @@
       </p:sp>
       <p:sp>
         <p:nvSpPr>
-          <p:cNvPr id="77" name="Una visión detallada sobre la importancia y aplicaciones"/>
+          <p:cNvPr id="77" name="Estructuración y descripción de datos en informática"/>
           <p:cNvSpPr txBox="1"/>
           <p:nvPr/>
         </p:nvSpPr>
         <p:spPr>
           <a:xfrm>
-            <a:off x="914400" y="2965450"/>
+            <a:off x="914400" y="2571750"/>
             <a:ext cx="7315200" cy="372750"/>
           </a:xfrm>
           <a:prstGeom prst="rect">
@@ -2052,7 +2059,7 @@
           <a:p>
             <a:pPr/>
             <a:r>
-              <a:t>Una visión detallada sobre la importancia y aplicaciones</a:t>
+              <a:t>Estructuración y descripción de datos en informática</a:t>
             </a:r>
           </a:p>
         </p:txBody>
@@ -2085,7 +2092,7 @@
       </p:grpSpPr>
       <p:sp>
         <p:nvSpPr>
-          <p:cNvPr id="103" name="YAML (YAML Ain't Markup Language)"/>
+          <p:cNvPr id="103" name="Markdown"/>
           <p:cNvSpPr txBox="1"/>
           <p:nvPr/>
         </p:nvSpPr>
@@ -2126,21 +2133,21 @@
           <a:p>
             <a:pPr/>
             <a:r>
-              <a:t>YAML (YAML Ain't Markup Language)</a:t>
+              <a:t>Markdown</a:t>
             </a:r>
           </a:p>
         </p:txBody>
       </p:sp>
       <p:sp>
         <p:nvSpPr>
-          <p:cNvPr id="104" name="Descripción: Lenguaje de serialización de datos con estructura basada en indentación.…"/>
+          <p:cNvPr id="104" name="Lenguaje de marcado ligero para convertir texto plano en HTML.…"/>
           <p:cNvSpPr txBox="1"/>
           <p:nvPr/>
         </p:nvSpPr>
         <p:spPr>
           <a:xfrm>
             <a:off x="914400" y="1800225"/>
-            <a:ext cx="7315200" cy="1541150"/>
+            <a:ext cx="7315200" cy="1249050"/>
           </a:xfrm>
           <a:prstGeom prst="rect">
             <a:avLst/>
@@ -2172,7 +2179,7 @@
               </a:defRPr>
             </a:pPr>
             <a:r>
-              <a:t>Descripción: Lenguaje de serialización de datos con estructura basada en indentación.</a:t>
+              <a:t>Lenguaje de marcado ligero para convertir texto plano en HTML.</a:t>
             </a:r>
           </a:p>
           <a:p>
@@ -2188,7 +2195,7 @@
               </a:defRPr>
             </a:pPr>
             <a:r>
-              <a:t>Características: Legibilidad y estructuración natural.</a:t>
+              <a:t>Su simplicidad y legibilidad son sus principales ventajas.</a:t>
             </a:r>
           </a:p>
           <a:p>
@@ -2204,7 +2211,7 @@
               </a:defRPr>
             </a:pPr>
             <a:r>
-              <a:t>Ámbitos de aplicación: Archivos de configuración y despliegue de infraestructura.</a:t>
+              <a:t>Ámbitos de aplicación: documentación, blogs, sistemas de gestión de contenido.</a:t>
             </a:r>
           </a:p>
         </p:txBody>
@@ -2237,14 +2244,14 @@
       </p:grpSpPr>
       <p:sp>
         <p:nvSpPr>
-          <p:cNvPr id="106" name="Conclusión"/>
+          <p:cNvPr id="106" name="Características de Markdown"/>
           <p:cNvSpPr txBox="1"/>
           <p:nvPr/>
         </p:nvSpPr>
         <p:spPr>
           <a:xfrm>
-            <a:off x="1828800" y="596900"/>
-            <a:ext cx="5486400" cy="666760"/>
+            <a:off x="914400" y="1028700"/>
+            <a:ext cx="7315200" cy="482734"/>
           </a:xfrm>
           <a:prstGeom prst="rect">
             <a:avLst/>
@@ -2263,10 +2270,10 @@
             <a:spAutoFit/>
           </a:bodyPr>
           <a:lstStyle>
-            <a:lvl1pPr algn="ctr">
-              <a:defRPr b="1" sz="4000">
-                <a:solidFill>
-                  <a:srgbClr val="424242"/>
+            <a:lvl1pPr>
+              <a:defRPr b="1" sz="2800">
+                <a:solidFill>
+                  <a:srgbClr val="121212"/>
                 </a:solidFill>
                 <a:latin typeface="Times New Roman"/>
                 <a:ea typeface="Times New Roman"/>
@@ -2278,21 +2285,21 @@
           <a:p>
             <a:pPr/>
             <a:r>
-              <a:t>Conclusión</a:t>
+              <a:t>Características de Markdown</a:t>
             </a:r>
           </a:p>
         </p:txBody>
       </p:sp>
       <p:sp>
         <p:nvSpPr>
-          <p:cNvPr id="107" name="Los lenguajes de marcas son herramientas esenciales en el ámbito de la informática. Cada lenguaje tiene características únicas adecuadas para diferentes aplicaciones, permitiendo a los desarrolladores elegir el más adecuado según las necesidades de sus proyectos."/>
+          <p:cNvPr id="107" name="Utiliza caracteres especiales para definir estructuración.…"/>
           <p:cNvSpPr txBox="1"/>
           <p:nvPr/>
         </p:nvSpPr>
         <p:spPr>
           <a:xfrm>
-            <a:off x="914400" y="1508125"/>
-            <a:ext cx="7315200" cy="2906028"/>
+            <a:off x="914400" y="1800225"/>
+            <a:ext cx="7315200" cy="664850"/>
           </a:xfrm>
           <a:prstGeom prst="rect">
             <a:avLst/>
@@ -2310,12 +2317,10 @@
           <a:bodyPr lIns="45719" rIns="45719">
             <a:spAutoFit/>
           </a:bodyPr>
-          <a:lstStyle>
-            <a:lvl1pPr algn="ctr">
-              <a:lnSpc>
-                <a:spcPct val="120000"/>
-              </a:lnSpc>
-              <a:defRPr b="1" sz="2800">
+          <a:lstStyle/>
+          <a:p>
+            <a:pPr>
+              <a:defRPr sz="2000">
                 <a:solidFill>
                   <a:srgbClr val="424242"/>
                 </a:solidFill>
@@ -2324,12 +2329,25 @@
                 <a:cs typeface="Times New Roman"/>
                 <a:sym typeface="Times New Roman"/>
               </a:defRPr>
-            </a:lvl1pPr>
-          </a:lstStyle>
-          <a:p>
-            <a:pPr/>
-            <a:r>
-              <a:t>Los lenguajes de marcas son herramientas esenciales en el ámbito de la informática. Cada lenguaje tiene características únicas adecuadas para diferentes aplicaciones, permitiendo a los desarrolladores elegir el más adecuado según las necesidades de sus proyectos.</a:t>
+            </a:pPr>
+            <a:r>
+              <a:t>Utiliza caracteres especiales para definir estructuración.</a:t>
+            </a:r>
+          </a:p>
+          <a:p>
+            <a:pPr>
+              <a:defRPr sz="2000">
+                <a:solidFill>
+                  <a:srgbClr val="424242"/>
+                </a:solidFill>
+                <a:latin typeface="Times New Roman"/>
+                <a:ea typeface="Times New Roman"/>
+                <a:cs typeface="Times New Roman"/>
+                <a:sym typeface="Times New Roman"/>
+              </a:defRPr>
+            </a:pPr>
+            <a:r>
+              <a:t>Permite una rápida conversión a HTML.</a:t>
             </a:r>
           </a:p>
         </p:txBody>
@@ -2362,13 +2380,1002 @@
       </p:grpSpPr>
       <p:sp>
         <p:nvSpPr>
-          <p:cNvPr id="109" name="¡Gracias!"/>
+          <p:cNvPr id="109" name="LaTeX"/>
           <p:cNvSpPr txBox="1"/>
           <p:nvPr/>
         </p:nvSpPr>
         <p:spPr>
           <a:xfrm>
-            <a:off x="1828800" y="1701800"/>
+            <a:off x="914400" y="1028700"/>
+            <a:ext cx="7315200" cy="482734"/>
+          </a:xfrm>
+          <a:prstGeom prst="rect">
+            <a:avLst/>
+          </a:prstGeom>
+          <a:ln w="12700">
+            <a:miter lim="400000"/>
+          </a:ln>
+          <a:extLst>
+            <a:ext uri="{C572A759-6A51-4108-AA02-DFA0A04FC94B}">
+              <ma14:wrappingTextBoxFlag xmlns:ma14="http://schemas.microsoft.com/office/mac/drawingml/2011/main" val="1"/>
+            </a:ext>
+          </a:extLst>
+        </p:spPr>
+        <p:txBody>
+          <a:bodyPr lIns="45719" rIns="45719">
+            <a:spAutoFit/>
+          </a:bodyPr>
+          <a:lstStyle>
+            <a:lvl1pPr>
+              <a:defRPr b="1" sz="2800">
+                <a:solidFill>
+                  <a:srgbClr val="121212"/>
+                </a:solidFill>
+                <a:latin typeface="Times New Roman"/>
+                <a:ea typeface="Times New Roman"/>
+                <a:cs typeface="Times New Roman"/>
+                <a:sym typeface="Times New Roman"/>
+              </a:defRPr>
+            </a:lvl1pPr>
+          </a:lstStyle>
+          <a:p>
+            <a:pPr/>
+            <a:r>
+              <a:t>LaTeX</a:t>
+            </a:r>
+          </a:p>
+        </p:txBody>
+      </p:sp>
+      <p:sp>
+        <p:nvSpPr>
+          <p:cNvPr id="110" name="Sistema de preparación de documentos para textos científicos y técnicos.…"/>
+          <p:cNvSpPr txBox="1"/>
+          <p:nvPr/>
+        </p:nvSpPr>
+        <p:spPr>
+          <a:xfrm>
+            <a:off x="914400" y="1800225"/>
+            <a:ext cx="7315200" cy="1249050"/>
+          </a:xfrm>
+          <a:prstGeom prst="rect">
+            <a:avLst/>
+          </a:prstGeom>
+          <a:ln w="12700">
+            <a:miter lim="400000"/>
+          </a:ln>
+          <a:extLst>
+            <a:ext uri="{C572A759-6A51-4108-AA02-DFA0A04FC94B}">
+              <ma14:wrappingTextBoxFlag xmlns:ma14="http://schemas.microsoft.com/office/mac/drawingml/2011/main" val="1"/>
+            </a:ext>
+          </a:extLst>
+        </p:spPr>
+        <p:txBody>
+          <a:bodyPr lIns="45719" rIns="45719">
+            <a:spAutoFit/>
+          </a:bodyPr>
+          <a:lstStyle/>
+          <a:p>
+            <a:pPr>
+              <a:defRPr sz="2000">
+                <a:solidFill>
+                  <a:srgbClr val="424242"/>
+                </a:solidFill>
+                <a:latin typeface="Times New Roman"/>
+                <a:ea typeface="Times New Roman"/>
+                <a:cs typeface="Times New Roman"/>
+                <a:sym typeface="Times New Roman"/>
+              </a:defRPr>
+            </a:pPr>
+            <a:r>
+              <a:t>Sistema de preparación de documentos para textos científicos y técnicos.</a:t>
+            </a:r>
+          </a:p>
+          <a:p>
+            <a:pPr>
+              <a:defRPr sz="2000">
+                <a:solidFill>
+                  <a:srgbClr val="424242"/>
+                </a:solidFill>
+                <a:latin typeface="Times New Roman"/>
+                <a:ea typeface="Times New Roman"/>
+                <a:cs typeface="Times New Roman"/>
+                <a:sym typeface="Times New Roman"/>
+              </a:defRPr>
+            </a:pPr>
+            <a:r>
+              <a:t>Ofrece alta calidad tipográfica y soporte para ecuaciones.</a:t>
+            </a:r>
+          </a:p>
+          <a:p>
+            <a:pPr>
+              <a:defRPr sz="2000">
+                <a:solidFill>
+                  <a:srgbClr val="424242"/>
+                </a:solidFill>
+                <a:latin typeface="Times New Roman"/>
+                <a:ea typeface="Times New Roman"/>
+                <a:cs typeface="Times New Roman"/>
+                <a:sym typeface="Times New Roman"/>
+              </a:defRPr>
+            </a:pPr>
+            <a:r>
+              <a:t>Ámbitos de aplicación: tesis, artículos científicos, libros técnicos.</a:t>
+            </a:r>
+          </a:p>
+        </p:txBody>
+      </p:sp>
+    </p:spTree>
+  </p:cSld>
+  <p:clrMapOvr>
+    <a:masterClrMapping/>
+  </p:clrMapOvr>
+  <p:transition xmlns:p14="http://schemas.microsoft.com/office/powerpoint/2010/main" spd="med" advClick="1"/>
+</p:sld>
+</file>
+
+<file path=ppt/slides/slide13.xml><?xml version="1.0" encoding="utf-8"?>
+<p:sld xmlns:a="http://schemas.openxmlformats.org/drawingml/2006/main" xmlns:r="http://schemas.openxmlformats.org/officeDocument/2006/relationships" xmlns:p="http://schemas.openxmlformats.org/presentationml/2006/main" xmlns:m="http://schemas.openxmlformats.org/officeDocument/2006/math" xmlns:a14="http://schemas.microsoft.com/office/drawing/2010/main" showMasterSp="1" showMasterPhAnim="1">
+  <p:cSld>
+    <p:spTree>
+      <p:nvGrpSpPr>
+        <p:cNvPr id="1" name=""/>
+        <p:cNvGrpSpPr/>
+        <p:nvPr/>
+      </p:nvGrpSpPr>
+      <p:grpSpPr>
+        <a:xfrm>
+          <a:off x="0" y="0"/>
+          <a:ext cx="0" cy="0"/>
+          <a:chOff x="0" y="0"/>
+          <a:chExt cx="0" cy="0"/>
+        </a:xfrm>
+      </p:grpSpPr>
+      <p:sp>
+        <p:nvSpPr>
+          <p:cNvPr id="112" name="Características de LaTeX"/>
+          <p:cNvSpPr txBox="1"/>
+          <p:nvPr/>
+        </p:nvSpPr>
+        <p:spPr>
+          <a:xfrm>
+            <a:off x="914400" y="1028700"/>
+            <a:ext cx="7315200" cy="482734"/>
+          </a:xfrm>
+          <a:prstGeom prst="rect">
+            <a:avLst/>
+          </a:prstGeom>
+          <a:ln w="12700">
+            <a:miter lim="400000"/>
+          </a:ln>
+          <a:extLst>
+            <a:ext uri="{C572A759-6A51-4108-AA02-DFA0A04FC94B}">
+              <ma14:wrappingTextBoxFlag xmlns:ma14="http://schemas.microsoft.com/office/mac/drawingml/2011/main" val="1"/>
+            </a:ext>
+          </a:extLst>
+        </p:spPr>
+        <p:txBody>
+          <a:bodyPr lIns="45719" rIns="45719">
+            <a:spAutoFit/>
+          </a:bodyPr>
+          <a:lstStyle>
+            <a:lvl1pPr>
+              <a:defRPr b="1" sz="2800">
+                <a:solidFill>
+                  <a:srgbClr val="121212"/>
+                </a:solidFill>
+                <a:latin typeface="Times New Roman"/>
+                <a:ea typeface="Times New Roman"/>
+                <a:cs typeface="Times New Roman"/>
+                <a:sym typeface="Times New Roman"/>
+              </a:defRPr>
+            </a:lvl1pPr>
+          </a:lstStyle>
+          <a:p>
+            <a:pPr/>
+            <a:r>
+              <a:t>Características de LaTeX</a:t>
+            </a:r>
+          </a:p>
+        </p:txBody>
+      </p:sp>
+      <p:sp>
+        <p:nvSpPr>
+          <p:cNvPr id="113" name="Produce documentos de alta calidad.…"/>
+          <p:cNvSpPr txBox="1"/>
+          <p:nvPr/>
+        </p:nvSpPr>
+        <p:spPr>
+          <a:xfrm>
+            <a:off x="914400" y="1800225"/>
+            <a:ext cx="7315200" cy="664850"/>
+          </a:xfrm>
+          <a:prstGeom prst="rect">
+            <a:avLst/>
+          </a:prstGeom>
+          <a:ln w="12700">
+            <a:miter lim="400000"/>
+          </a:ln>
+          <a:extLst>
+            <a:ext uri="{C572A759-6A51-4108-AA02-DFA0A04FC94B}">
+              <ma14:wrappingTextBoxFlag xmlns:ma14="http://schemas.microsoft.com/office/mac/drawingml/2011/main" val="1"/>
+            </a:ext>
+          </a:extLst>
+        </p:spPr>
+        <p:txBody>
+          <a:bodyPr lIns="45719" rIns="45719">
+            <a:spAutoFit/>
+          </a:bodyPr>
+          <a:lstStyle/>
+          <a:p>
+            <a:pPr>
+              <a:defRPr sz="2000">
+                <a:solidFill>
+                  <a:srgbClr val="424242"/>
+                </a:solidFill>
+                <a:latin typeface="Times New Roman"/>
+                <a:ea typeface="Times New Roman"/>
+                <a:cs typeface="Times New Roman"/>
+                <a:sym typeface="Times New Roman"/>
+              </a:defRPr>
+            </a:pPr>
+            <a:r>
+              <a:t>Produce documentos de alta calidad.</a:t>
+            </a:r>
+          </a:p>
+          <a:p>
+            <a:pPr>
+              <a:defRPr sz="2000">
+                <a:solidFill>
+                  <a:srgbClr val="424242"/>
+                </a:solidFill>
+                <a:latin typeface="Times New Roman"/>
+                <a:ea typeface="Times New Roman"/>
+                <a:cs typeface="Times New Roman"/>
+                <a:sym typeface="Times New Roman"/>
+              </a:defRPr>
+            </a:pPr>
+            <a:r>
+              <a:t>Ideal para publicaciones académicas.</a:t>
+            </a:r>
+          </a:p>
+        </p:txBody>
+      </p:sp>
+    </p:spTree>
+  </p:cSld>
+  <p:clrMapOvr>
+    <a:masterClrMapping/>
+  </p:clrMapOvr>
+  <p:transition xmlns:p14="http://schemas.microsoft.com/office/powerpoint/2010/main" spd="med" advClick="1"/>
+</p:sld>
+</file>
+
+<file path=ppt/slides/slide14.xml><?xml version="1.0" encoding="utf-8"?>
+<p:sld xmlns:a="http://schemas.openxmlformats.org/drawingml/2006/main" xmlns:r="http://schemas.openxmlformats.org/officeDocument/2006/relationships" xmlns:p="http://schemas.openxmlformats.org/presentationml/2006/main" xmlns:m="http://schemas.openxmlformats.org/officeDocument/2006/math" xmlns:a14="http://schemas.microsoft.com/office/drawing/2010/main" showMasterSp="1" showMasterPhAnim="1">
+  <p:cSld>
+    <p:spTree>
+      <p:nvGrpSpPr>
+        <p:cNvPr id="1" name=""/>
+        <p:cNvGrpSpPr/>
+        <p:nvPr/>
+      </p:nvGrpSpPr>
+      <p:grpSpPr>
+        <a:xfrm>
+          <a:off x="0" y="0"/>
+          <a:ext cx="0" cy="0"/>
+          <a:chOff x="0" y="0"/>
+          <a:chExt cx="0" cy="0"/>
+        </a:xfrm>
+      </p:grpSpPr>
+      <p:sp>
+        <p:nvSpPr>
+          <p:cNvPr id="115" name="JSON (JavaScript Object Notation)"/>
+          <p:cNvSpPr txBox="1"/>
+          <p:nvPr/>
+        </p:nvSpPr>
+        <p:spPr>
+          <a:xfrm>
+            <a:off x="914400" y="1028700"/>
+            <a:ext cx="7315200" cy="482734"/>
+          </a:xfrm>
+          <a:prstGeom prst="rect">
+            <a:avLst/>
+          </a:prstGeom>
+          <a:ln w="12700">
+            <a:miter lim="400000"/>
+          </a:ln>
+          <a:extLst>
+            <a:ext uri="{C572A759-6A51-4108-AA02-DFA0A04FC94B}">
+              <ma14:wrappingTextBoxFlag xmlns:ma14="http://schemas.microsoft.com/office/mac/drawingml/2011/main" val="1"/>
+            </a:ext>
+          </a:extLst>
+        </p:spPr>
+        <p:txBody>
+          <a:bodyPr lIns="45719" rIns="45719">
+            <a:spAutoFit/>
+          </a:bodyPr>
+          <a:lstStyle>
+            <a:lvl1pPr>
+              <a:defRPr b="1" sz="2800">
+                <a:solidFill>
+                  <a:srgbClr val="121212"/>
+                </a:solidFill>
+                <a:latin typeface="Times New Roman"/>
+                <a:ea typeface="Times New Roman"/>
+                <a:cs typeface="Times New Roman"/>
+                <a:sym typeface="Times New Roman"/>
+              </a:defRPr>
+            </a:lvl1pPr>
+          </a:lstStyle>
+          <a:p>
+            <a:pPr/>
+            <a:r>
+              <a:t>JSON (JavaScript Object Notation)</a:t>
+            </a:r>
+          </a:p>
+        </p:txBody>
+      </p:sp>
+      <p:sp>
+        <p:nvSpPr>
+          <p:cNvPr id="116" name="Formato de intercambio de datos en pares clave-valor.…"/>
+          <p:cNvSpPr txBox="1"/>
+          <p:nvPr/>
+        </p:nvSpPr>
+        <p:spPr>
+          <a:xfrm>
+            <a:off x="914400" y="1800225"/>
+            <a:ext cx="7315200" cy="1249050"/>
+          </a:xfrm>
+          <a:prstGeom prst="rect">
+            <a:avLst/>
+          </a:prstGeom>
+          <a:ln w="12700">
+            <a:miter lim="400000"/>
+          </a:ln>
+          <a:extLst>
+            <a:ext uri="{C572A759-6A51-4108-AA02-DFA0A04FC94B}">
+              <ma14:wrappingTextBoxFlag xmlns:ma14="http://schemas.microsoft.com/office/mac/drawingml/2011/main" val="1"/>
+            </a:ext>
+          </a:extLst>
+        </p:spPr>
+        <p:txBody>
+          <a:bodyPr lIns="45719" rIns="45719">
+            <a:spAutoFit/>
+          </a:bodyPr>
+          <a:lstStyle/>
+          <a:p>
+            <a:pPr>
+              <a:defRPr sz="2000">
+                <a:solidFill>
+                  <a:srgbClr val="424242"/>
+                </a:solidFill>
+                <a:latin typeface="Times New Roman"/>
+                <a:ea typeface="Times New Roman"/>
+                <a:cs typeface="Times New Roman"/>
+                <a:sym typeface="Times New Roman"/>
+              </a:defRPr>
+            </a:pPr>
+            <a:r>
+              <a:t>Formato de intercambio de datos en pares clave-valor.</a:t>
+            </a:r>
+          </a:p>
+          <a:p>
+            <a:pPr>
+              <a:defRPr sz="2000">
+                <a:solidFill>
+                  <a:srgbClr val="424242"/>
+                </a:solidFill>
+                <a:latin typeface="Times New Roman"/>
+                <a:ea typeface="Times New Roman"/>
+                <a:cs typeface="Times New Roman"/>
+                <a:sym typeface="Times New Roman"/>
+              </a:defRPr>
+            </a:pPr>
+            <a:r>
+              <a:t>Fundamental para comunicación entre sistemas.</a:t>
+            </a:r>
+          </a:p>
+          <a:p>
+            <a:pPr>
+              <a:defRPr sz="2000">
+                <a:solidFill>
+                  <a:srgbClr val="424242"/>
+                </a:solidFill>
+                <a:latin typeface="Times New Roman"/>
+                <a:ea typeface="Times New Roman"/>
+                <a:cs typeface="Times New Roman"/>
+                <a:sym typeface="Times New Roman"/>
+              </a:defRPr>
+            </a:pPr>
+            <a:r>
+              <a:t>Ámbitos de aplicación: comunicación entre servidores y clientes en aplicaciones web.</a:t>
+            </a:r>
+          </a:p>
+        </p:txBody>
+      </p:sp>
+    </p:spTree>
+  </p:cSld>
+  <p:clrMapOvr>
+    <a:masterClrMapping/>
+  </p:clrMapOvr>
+  <p:transition xmlns:p14="http://schemas.microsoft.com/office/powerpoint/2010/main" spd="med" advClick="1"/>
+</p:sld>
+</file>
+
+<file path=ppt/slides/slide15.xml><?xml version="1.0" encoding="utf-8"?>
+<p:sld xmlns:a="http://schemas.openxmlformats.org/drawingml/2006/main" xmlns:r="http://schemas.openxmlformats.org/officeDocument/2006/relationships" xmlns:p="http://schemas.openxmlformats.org/presentationml/2006/main" xmlns:m="http://schemas.openxmlformats.org/officeDocument/2006/math" xmlns:a14="http://schemas.microsoft.com/office/drawing/2010/main" showMasterSp="1" showMasterPhAnim="1">
+  <p:cSld>
+    <p:spTree>
+      <p:nvGrpSpPr>
+        <p:cNvPr id="1" name=""/>
+        <p:cNvGrpSpPr/>
+        <p:nvPr/>
+      </p:nvGrpSpPr>
+      <p:grpSpPr>
+        <a:xfrm>
+          <a:off x="0" y="0"/>
+          <a:ext cx="0" cy="0"/>
+          <a:chOff x="0" y="0"/>
+          <a:chExt cx="0" cy="0"/>
+        </a:xfrm>
+      </p:grpSpPr>
+      <p:sp>
+        <p:nvSpPr>
+          <p:cNvPr id="118" name="Características de JSON"/>
+          <p:cNvSpPr txBox="1"/>
+          <p:nvPr/>
+        </p:nvSpPr>
+        <p:spPr>
+          <a:xfrm>
+            <a:off x="914400" y="1028700"/>
+            <a:ext cx="7315200" cy="482734"/>
+          </a:xfrm>
+          <a:prstGeom prst="rect">
+            <a:avLst/>
+          </a:prstGeom>
+          <a:ln w="12700">
+            <a:miter lim="400000"/>
+          </a:ln>
+          <a:extLst>
+            <a:ext uri="{C572A759-6A51-4108-AA02-DFA0A04FC94B}">
+              <ma14:wrappingTextBoxFlag xmlns:ma14="http://schemas.microsoft.com/office/mac/drawingml/2011/main" val="1"/>
+            </a:ext>
+          </a:extLst>
+        </p:spPr>
+        <p:txBody>
+          <a:bodyPr lIns="45719" rIns="45719">
+            <a:spAutoFit/>
+          </a:bodyPr>
+          <a:lstStyle>
+            <a:lvl1pPr>
+              <a:defRPr b="1" sz="2800">
+                <a:solidFill>
+                  <a:srgbClr val="121212"/>
+                </a:solidFill>
+                <a:latin typeface="Times New Roman"/>
+                <a:ea typeface="Times New Roman"/>
+                <a:cs typeface="Times New Roman"/>
+                <a:sym typeface="Times New Roman"/>
+              </a:defRPr>
+            </a:lvl1pPr>
+          </a:lstStyle>
+          <a:p>
+            <a:pPr/>
+            <a:r>
+              <a:t>Características de JSON</a:t>
+            </a:r>
+          </a:p>
+        </p:txBody>
+      </p:sp>
+      <p:sp>
+        <p:nvSpPr>
+          <p:cNvPr id="119" name="Ligero y eficiente.…"/>
+          <p:cNvSpPr txBox="1"/>
+          <p:nvPr/>
+        </p:nvSpPr>
+        <p:spPr>
+          <a:xfrm>
+            <a:off x="914400" y="1800225"/>
+            <a:ext cx="7315200" cy="664850"/>
+          </a:xfrm>
+          <a:prstGeom prst="rect">
+            <a:avLst/>
+          </a:prstGeom>
+          <a:ln w="12700">
+            <a:miter lim="400000"/>
+          </a:ln>
+          <a:extLst>
+            <a:ext uri="{C572A759-6A51-4108-AA02-DFA0A04FC94B}">
+              <ma14:wrappingTextBoxFlag xmlns:ma14="http://schemas.microsoft.com/office/mac/drawingml/2011/main" val="1"/>
+            </a:ext>
+          </a:extLst>
+        </p:spPr>
+        <p:txBody>
+          <a:bodyPr lIns="45719" rIns="45719">
+            <a:spAutoFit/>
+          </a:bodyPr>
+          <a:lstStyle/>
+          <a:p>
+            <a:pPr>
+              <a:defRPr sz="2000">
+                <a:solidFill>
+                  <a:srgbClr val="424242"/>
+                </a:solidFill>
+                <a:latin typeface="Times New Roman"/>
+                <a:ea typeface="Times New Roman"/>
+                <a:cs typeface="Times New Roman"/>
+                <a:sym typeface="Times New Roman"/>
+              </a:defRPr>
+            </a:pPr>
+            <a:r>
+              <a:t>Ligero y eficiente.</a:t>
+            </a:r>
+          </a:p>
+          <a:p>
+            <a:pPr>
+              <a:defRPr sz="2000">
+                <a:solidFill>
+                  <a:srgbClr val="424242"/>
+                </a:solidFill>
+                <a:latin typeface="Times New Roman"/>
+                <a:ea typeface="Times New Roman"/>
+                <a:cs typeface="Times New Roman"/>
+                <a:sym typeface="Times New Roman"/>
+              </a:defRPr>
+            </a:pPr>
+            <a:r>
+              <a:t>Fácil lectura para humanos y máquinas.</a:t>
+            </a:r>
+          </a:p>
+        </p:txBody>
+      </p:sp>
+    </p:spTree>
+  </p:cSld>
+  <p:clrMapOvr>
+    <a:masterClrMapping/>
+  </p:clrMapOvr>
+  <p:transition xmlns:p14="http://schemas.microsoft.com/office/powerpoint/2010/main" spd="med" advClick="1"/>
+</p:sld>
+</file>
+
+<file path=ppt/slides/slide16.xml><?xml version="1.0" encoding="utf-8"?>
+<p:sld xmlns:a="http://schemas.openxmlformats.org/drawingml/2006/main" xmlns:r="http://schemas.openxmlformats.org/officeDocument/2006/relationships" xmlns:p="http://schemas.openxmlformats.org/presentationml/2006/main" xmlns:m="http://schemas.openxmlformats.org/officeDocument/2006/math" xmlns:a14="http://schemas.microsoft.com/office/drawing/2010/main" showMasterSp="1" showMasterPhAnim="1">
+  <p:cSld>
+    <p:spTree>
+      <p:nvGrpSpPr>
+        <p:cNvPr id="1" name=""/>
+        <p:cNvGrpSpPr/>
+        <p:nvPr/>
+      </p:nvGrpSpPr>
+      <p:grpSpPr>
+        <a:xfrm>
+          <a:off x="0" y="0"/>
+          <a:ext cx="0" cy="0"/>
+          <a:chOff x="0" y="0"/>
+          <a:chExt cx="0" cy="0"/>
+        </a:xfrm>
+      </p:grpSpPr>
+      <p:sp>
+        <p:nvSpPr>
+          <p:cNvPr id="121" name="YAML (YAML Ain't Markup Language)"/>
+          <p:cNvSpPr txBox="1"/>
+          <p:nvPr/>
+        </p:nvSpPr>
+        <p:spPr>
+          <a:xfrm>
+            <a:off x="914400" y="1028700"/>
+            <a:ext cx="7315200" cy="482734"/>
+          </a:xfrm>
+          <a:prstGeom prst="rect">
+            <a:avLst/>
+          </a:prstGeom>
+          <a:ln w="12700">
+            <a:miter lim="400000"/>
+          </a:ln>
+          <a:extLst>
+            <a:ext uri="{C572A759-6A51-4108-AA02-DFA0A04FC94B}">
+              <ma14:wrappingTextBoxFlag xmlns:ma14="http://schemas.microsoft.com/office/mac/drawingml/2011/main" val="1"/>
+            </a:ext>
+          </a:extLst>
+        </p:spPr>
+        <p:txBody>
+          <a:bodyPr lIns="45719" rIns="45719">
+            <a:spAutoFit/>
+          </a:bodyPr>
+          <a:lstStyle>
+            <a:lvl1pPr>
+              <a:defRPr b="1" sz="2800">
+                <a:solidFill>
+                  <a:srgbClr val="121212"/>
+                </a:solidFill>
+                <a:latin typeface="Times New Roman"/>
+                <a:ea typeface="Times New Roman"/>
+                <a:cs typeface="Times New Roman"/>
+                <a:sym typeface="Times New Roman"/>
+              </a:defRPr>
+            </a:lvl1pPr>
+          </a:lstStyle>
+          <a:p>
+            <a:pPr/>
+            <a:r>
+              <a:t>YAML (YAML Ain't Markup Language)</a:t>
+            </a:r>
+          </a:p>
+        </p:txBody>
+      </p:sp>
+      <p:sp>
+        <p:nvSpPr>
+          <p:cNvPr id="122" name="Lenguaje de serialización de datos caracterizado por su simplicidad.…"/>
+          <p:cNvSpPr txBox="1"/>
+          <p:nvPr/>
+        </p:nvSpPr>
+        <p:spPr>
+          <a:xfrm>
+            <a:off x="914400" y="1800225"/>
+            <a:ext cx="7315200" cy="1249050"/>
+          </a:xfrm>
+          <a:prstGeom prst="rect">
+            <a:avLst/>
+          </a:prstGeom>
+          <a:ln w="12700">
+            <a:miter lim="400000"/>
+          </a:ln>
+          <a:extLst>
+            <a:ext uri="{C572A759-6A51-4108-AA02-DFA0A04FC94B}">
+              <ma14:wrappingTextBoxFlag xmlns:ma14="http://schemas.microsoft.com/office/mac/drawingml/2011/main" val="1"/>
+            </a:ext>
+          </a:extLst>
+        </p:spPr>
+        <p:txBody>
+          <a:bodyPr lIns="45719" rIns="45719">
+            <a:spAutoFit/>
+          </a:bodyPr>
+          <a:lstStyle/>
+          <a:p>
+            <a:pPr>
+              <a:defRPr sz="2000">
+                <a:solidFill>
+                  <a:srgbClr val="424242"/>
+                </a:solidFill>
+                <a:latin typeface="Times New Roman"/>
+                <a:ea typeface="Times New Roman"/>
+                <a:cs typeface="Times New Roman"/>
+                <a:sym typeface="Times New Roman"/>
+              </a:defRPr>
+            </a:pPr>
+            <a:r>
+              <a:t>Lenguaje de serialización de datos caracterizado por su simplicidad.</a:t>
+            </a:r>
+          </a:p>
+          <a:p>
+            <a:pPr>
+              <a:defRPr sz="2000">
+                <a:solidFill>
+                  <a:srgbClr val="424242"/>
+                </a:solidFill>
+                <a:latin typeface="Times New Roman"/>
+                <a:ea typeface="Times New Roman"/>
+                <a:cs typeface="Times New Roman"/>
+                <a:sym typeface="Times New Roman"/>
+              </a:defRPr>
+            </a:pPr>
+            <a:r>
+              <a:t>Utiliza estructura basada en indentación.</a:t>
+            </a:r>
+          </a:p>
+          <a:p>
+            <a:pPr>
+              <a:defRPr sz="2000">
+                <a:solidFill>
+                  <a:srgbClr val="424242"/>
+                </a:solidFill>
+                <a:latin typeface="Times New Roman"/>
+                <a:ea typeface="Times New Roman"/>
+                <a:cs typeface="Times New Roman"/>
+                <a:sym typeface="Times New Roman"/>
+              </a:defRPr>
+            </a:pPr>
+            <a:r>
+              <a:t>Ámbitos de aplicación: archivos de configuración, despliegue de infraestructura.</a:t>
+            </a:r>
+          </a:p>
+        </p:txBody>
+      </p:sp>
+    </p:spTree>
+  </p:cSld>
+  <p:clrMapOvr>
+    <a:masterClrMapping/>
+  </p:clrMapOvr>
+  <p:transition xmlns:p14="http://schemas.microsoft.com/office/powerpoint/2010/main" spd="med" advClick="1"/>
+</p:sld>
+</file>
+
+<file path=ppt/slides/slide17.xml><?xml version="1.0" encoding="utf-8"?>
+<p:sld xmlns:a="http://schemas.openxmlformats.org/drawingml/2006/main" xmlns:r="http://schemas.openxmlformats.org/officeDocument/2006/relationships" xmlns:p="http://schemas.openxmlformats.org/presentationml/2006/main" xmlns:m="http://schemas.openxmlformats.org/officeDocument/2006/math" xmlns:a14="http://schemas.microsoft.com/office/drawing/2010/main" showMasterSp="1" showMasterPhAnim="1">
+  <p:cSld>
+    <p:spTree>
+      <p:nvGrpSpPr>
+        <p:cNvPr id="1" name=""/>
+        <p:cNvGrpSpPr/>
+        <p:nvPr/>
+      </p:nvGrpSpPr>
+      <p:grpSpPr>
+        <a:xfrm>
+          <a:off x="0" y="0"/>
+          <a:ext cx="0" cy="0"/>
+          <a:chOff x="0" y="0"/>
+          <a:chExt cx="0" cy="0"/>
+        </a:xfrm>
+      </p:grpSpPr>
+      <p:sp>
+        <p:nvSpPr>
+          <p:cNvPr id="124" name="Características de YAML"/>
+          <p:cNvSpPr txBox="1"/>
+          <p:nvPr/>
+        </p:nvSpPr>
+        <p:spPr>
+          <a:xfrm>
+            <a:off x="914400" y="1028700"/>
+            <a:ext cx="7315200" cy="482734"/>
+          </a:xfrm>
+          <a:prstGeom prst="rect">
+            <a:avLst/>
+          </a:prstGeom>
+          <a:ln w="12700">
+            <a:miter lim="400000"/>
+          </a:ln>
+          <a:extLst>
+            <a:ext uri="{C572A759-6A51-4108-AA02-DFA0A04FC94B}">
+              <ma14:wrappingTextBoxFlag xmlns:ma14="http://schemas.microsoft.com/office/mac/drawingml/2011/main" val="1"/>
+            </a:ext>
+          </a:extLst>
+        </p:spPr>
+        <p:txBody>
+          <a:bodyPr lIns="45719" rIns="45719">
+            <a:spAutoFit/>
+          </a:bodyPr>
+          <a:lstStyle>
+            <a:lvl1pPr>
+              <a:defRPr b="1" sz="2800">
+                <a:solidFill>
+                  <a:srgbClr val="121212"/>
+                </a:solidFill>
+                <a:latin typeface="Times New Roman"/>
+                <a:ea typeface="Times New Roman"/>
+                <a:cs typeface="Times New Roman"/>
+                <a:sym typeface="Times New Roman"/>
+              </a:defRPr>
+            </a:lvl1pPr>
+          </a:lstStyle>
+          <a:p>
+            <a:pPr/>
+            <a:r>
+              <a:t>Características de YAML</a:t>
+            </a:r>
+          </a:p>
+        </p:txBody>
+      </p:sp>
+      <p:sp>
+        <p:nvSpPr>
+          <p:cNvPr id="125" name="Fácil de leer y escribir.…"/>
+          <p:cNvSpPr txBox="1"/>
+          <p:nvPr/>
+        </p:nvSpPr>
+        <p:spPr>
+          <a:xfrm>
+            <a:off x="914400" y="1800225"/>
+            <a:ext cx="7315200" cy="664850"/>
+          </a:xfrm>
+          <a:prstGeom prst="rect">
+            <a:avLst/>
+          </a:prstGeom>
+          <a:ln w="12700">
+            <a:miter lim="400000"/>
+          </a:ln>
+          <a:extLst>
+            <a:ext uri="{C572A759-6A51-4108-AA02-DFA0A04FC94B}">
+              <ma14:wrappingTextBoxFlag xmlns:ma14="http://schemas.microsoft.com/office/mac/drawingml/2011/main" val="1"/>
+            </a:ext>
+          </a:extLst>
+        </p:spPr>
+        <p:txBody>
+          <a:bodyPr lIns="45719" rIns="45719">
+            <a:spAutoFit/>
+          </a:bodyPr>
+          <a:lstStyle/>
+          <a:p>
+            <a:pPr>
+              <a:defRPr sz="2000">
+                <a:solidFill>
+                  <a:srgbClr val="424242"/>
+                </a:solidFill>
+                <a:latin typeface="Times New Roman"/>
+                <a:ea typeface="Times New Roman"/>
+                <a:cs typeface="Times New Roman"/>
+                <a:sym typeface="Times New Roman"/>
+              </a:defRPr>
+            </a:pPr>
+            <a:r>
+              <a:t>Fácil de leer y escribir.</a:t>
+            </a:r>
+          </a:p>
+          <a:p>
+            <a:pPr>
+              <a:defRPr sz="2000">
+                <a:solidFill>
+                  <a:srgbClr val="424242"/>
+                </a:solidFill>
+                <a:latin typeface="Times New Roman"/>
+                <a:ea typeface="Times New Roman"/>
+                <a:cs typeface="Times New Roman"/>
+                <a:sym typeface="Times New Roman"/>
+              </a:defRPr>
+            </a:pPr>
+            <a:r>
+              <a:t>Representa jerarquías de manera natural.</a:t>
+            </a:r>
+          </a:p>
+        </p:txBody>
+      </p:sp>
+    </p:spTree>
+  </p:cSld>
+  <p:clrMapOvr>
+    <a:masterClrMapping/>
+  </p:clrMapOvr>
+  <p:transition xmlns:p14="http://schemas.microsoft.com/office/powerpoint/2010/main" spd="med" advClick="1"/>
+</p:sld>
+</file>
+
+<file path=ppt/slides/slide18.xml><?xml version="1.0" encoding="utf-8"?>
+<p:sld xmlns:a="http://schemas.openxmlformats.org/drawingml/2006/main" xmlns:r="http://schemas.openxmlformats.org/officeDocument/2006/relationships" xmlns:p="http://schemas.openxmlformats.org/presentationml/2006/main" xmlns:m="http://schemas.openxmlformats.org/officeDocument/2006/math" xmlns:a14="http://schemas.microsoft.com/office/drawing/2010/main" showMasterSp="1" showMasterPhAnim="1">
+  <p:cSld>
+    <p:spTree>
+      <p:nvGrpSpPr>
+        <p:cNvPr id="1" name=""/>
+        <p:cNvGrpSpPr/>
+        <p:nvPr/>
+      </p:nvGrpSpPr>
+      <p:grpSpPr>
+        <a:xfrm>
+          <a:off x="0" y="0"/>
+          <a:ext cx="0" cy="0"/>
+          <a:chOff x="0" y="0"/>
+          <a:chExt cx="0" cy="0"/>
+        </a:xfrm>
+      </p:grpSpPr>
+      <p:sp>
+        <p:nvSpPr>
+          <p:cNvPr id="127" name="Conclusión"/>
+          <p:cNvSpPr txBox="1"/>
+          <p:nvPr/>
+        </p:nvSpPr>
+        <p:spPr>
+          <a:xfrm>
+            <a:off x="1828800" y="1028700"/>
+            <a:ext cx="5486400" cy="666760"/>
+          </a:xfrm>
+          <a:prstGeom prst="rect">
+            <a:avLst/>
+          </a:prstGeom>
+          <a:ln w="12700">
+            <a:miter lim="400000"/>
+          </a:ln>
+          <a:extLst>
+            <a:ext uri="{C572A759-6A51-4108-AA02-DFA0A04FC94B}">
+              <ma14:wrappingTextBoxFlag xmlns:ma14="http://schemas.microsoft.com/office/mac/drawingml/2011/main" val="1"/>
+            </a:ext>
+          </a:extLst>
+        </p:spPr>
+        <p:txBody>
+          <a:bodyPr lIns="45719" rIns="45719">
+            <a:spAutoFit/>
+          </a:bodyPr>
+          <a:lstStyle>
+            <a:lvl1pPr algn="ctr">
+              <a:defRPr b="1" sz="4000">
+                <a:solidFill>
+                  <a:srgbClr val="424242"/>
+                </a:solidFill>
+                <a:latin typeface="Times New Roman"/>
+                <a:ea typeface="Times New Roman"/>
+                <a:cs typeface="Times New Roman"/>
+                <a:sym typeface="Times New Roman"/>
+              </a:defRPr>
+            </a:lvl1pPr>
+          </a:lstStyle>
+          <a:p>
+            <a:pPr/>
+            <a:r>
+              <a:t>Conclusión</a:t>
+            </a:r>
+          </a:p>
+        </p:txBody>
+      </p:sp>
+      <p:sp>
+        <p:nvSpPr>
+          <p:cNvPr id="128" name="Los lenguajes de marcas son esenciales en informática y desarrollo multiplataforma. Cada uno tiene características únicas para diferentes aplicaciones, desde la creación de sitios web hasta el manejo de datos complejos. Dominar estos lenguajes es una habilidad importante para profesionales en el campo."/>
+          <p:cNvSpPr txBox="1"/>
+          <p:nvPr/>
+        </p:nvSpPr>
+        <p:spPr>
+          <a:xfrm>
+            <a:off x="914400" y="1800225"/>
+            <a:ext cx="7315200" cy="2465844"/>
+          </a:xfrm>
+          <a:prstGeom prst="rect">
+            <a:avLst/>
+          </a:prstGeom>
+          <a:ln w="12700">
+            <a:miter lim="400000"/>
+          </a:ln>
+          <a:extLst>
+            <a:ext uri="{C572A759-6A51-4108-AA02-DFA0A04FC94B}">
+              <ma14:wrappingTextBoxFlag xmlns:ma14="http://schemas.microsoft.com/office/mac/drawingml/2011/main" val="1"/>
+            </a:ext>
+          </a:extLst>
+        </p:spPr>
+        <p:txBody>
+          <a:bodyPr lIns="45719" rIns="45719">
+            <a:spAutoFit/>
+          </a:bodyPr>
+          <a:lstStyle>
+            <a:lvl1pPr algn="ctr">
+              <a:lnSpc>
+                <a:spcPct val="120000"/>
+              </a:lnSpc>
+              <a:defRPr b="1" sz="2400">
+                <a:solidFill>
+                  <a:srgbClr val="424242"/>
+                </a:solidFill>
+                <a:latin typeface="Times New Roman"/>
+                <a:ea typeface="Times New Roman"/>
+                <a:cs typeface="Times New Roman"/>
+                <a:sym typeface="Times New Roman"/>
+              </a:defRPr>
+            </a:lvl1pPr>
+          </a:lstStyle>
+          <a:p>
+            <a:pPr/>
+            <a:r>
+              <a:t>Los lenguajes de marcas son esenciales en informática y desarrollo multiplataforma. Cada uno tiene características únicas para diferentes aplicaciones, desde la creación de sitios web hasta el manejo de datos complejos. Dominar estos lenguajes es una habilidad importante para profesionales en el campo.</a:t>
+            </a:r>
+          </a:p>
+        </p:txBody>
+      </p:sp>
+    </p:spTree>
+  </p:cSld>
+  <p:clrMapOvr>
+    <a:masterClrMapping/>
+  </p:clrMapOvr>
+  <p:transition xmlns:p14="http://schemas.microsoft.com/office/powerpoint/2010/main" spd="med" advClick="1"/>
+</p:sld>
+</file>
+
+<file path=ppt/slides/slide19.xml><?xml version="1.0" encoding="utf-8"?>
+<p:sld xmlns:a="http://schemas.openxmlformats.org/drawingml/2006/main" xmlns:r="http://schemas.openxmlformats.org/officeDocument/2006/relationships" xmlns:p="http://schemas.openxmlformats.org/presentationml/2006/main" xmlns:m="http://schemas.openxmlformats.org/officeDocument/2006/math" xmlns:a14="http://schemas.microsoft.com/office/drawing/2010/main" showMasterSp="1" showMasterPhAnim="1">
+  <p:cSld>
+    <p:spTree>
+      <p:nvGrpSpPr>
+        <p:cNvPr id="1" name=""/>
+        <p:cNvGrpSpPr/>
+        <p:nvPr/>
+      </p:nvGrpSpPr>
+      <p:grpSpPr>
+        <a:xfrm>
+          <a:off x="0" y="0"/>
+          <a:ext cx="0" cy="0"/>
+          <a:chOff x="0" y="0"/>
+          <a:chExt cx="0" cy="0"/>
+        </a:xfrm>
+      </p:grpSpPr>
+      <p:sp>
+        <p:nvSpPr>
+          <p:cNvPr id="130" name="¡Gracias!"/>
+          <p:cNvSpPr txBox="1"/>
+          <p:nvPr/>
+        </p:nvSpPr>
+        <p:spPr>
+          <a:xfrm>
+            <a:off x="1828800" y="1866900"/>
             <a:ext cx="5486400" cy="935370"/>
           </a:xfrm>
           <a:prstGeom prst="rect">
@@ -2442,7 +3449,7 @@
         </p:nvSpPr>
         <p:spPr>
           <a:xfrm>
-            <a:off x="1828800" y="711200"/>
+            <a:off x="1828800" y="1028700"/>
             <a:ext cx="5486400" cy="666760"/>
           </a:xfrm>
           <a:prstGeom prst="rect">
@@ -2484,13 +3491,13 @@
       </p:sp>
       <p:sp>
         <p:nvSpPr>
-          <p:cNvPr id="80" name="Los lenguajes de marcas son fundamentales en el campo de la informática y el desarrollo multiplataforma. Este informe se centra en la identificación y descripción de los lenguajes de marcas más relevantes, sus características, ámbitos de aplicación y ventajas."/>
+          <p:cNvPr id="80" name="Los lenguajes de marcas son fundamentales en la informática y el desarrollo multiplataforma. Este informe se centra en la identificación y descripción de los lenguajes de marcas más relevantes, así como en sus características, ámbitos de aplicación y ventajas."/>
           <p:cNvSpPr txBox="1"/>
           <p:nvPr/>
         </p:nvSpPr>
         <p:spPr>
           <a:xfrm>
-            <a:off x="914400" y="1546225"/>
+            <a:off x="914400" y="1800225"/>
             <a:ext cx="7315200" cy="2906028"/>
           </a:xfrm>
           <a:prstGeom prst="rect">
@@ -2528,7 +3535,7 @@
           <a:p>
             <a:pPr/>
             <a:r>
-              <a:t>Los lenguajes de marcas son fundamentales en el campo de la informática y el desarrollo multiplataforma. Este informe se centra en la identificación y descripción de los lenguajes de marcas más relevantes, sus características, ámbitos de aplicación y ventajas.</a:t>
+              <a:t>Los lenguajes de marcas son fundamentales en la informática y el desarrollo multiplataforma. Este informe se centra en la identificación y descripción de los lenguajes de marcas más relevantes, así como en sus características, ámbitos de aplicación y ventajas.</a:t>
             </a:r>
           </a:p>
         </p:txBody>
@@ -2616,7 +3623,7 @@
         <p:spPr>
           <a:xfrm>
             <a:off x="914400" y="1543050"/>
-            <a:ext cx="7315200" cy="2462922"/>
+            <a:ext cx="7315200" cy="4901457"/>
           </a:xfrm>
           <a:prstGeom prst="rect">
             <a:avLst/>
@@ -2682,7 +3689,7 @@
               </a:defRPr>
             </a:pPr>
             <a:r>
-              <a:t> XML (eXtensible Markup Language)</a:t>
+              <a:t> Características de HTML</a:t>
             </a:r>
           </a:p>
           <a:p>
@@ -2707,7 +3714,7 @@
               </a:defRPr>
             </a:pPr>
             <a:r>
-              <a:t> XHTML (eXtensible HyperText Markup Language)</a:t>
+              <a:t> XML (eXtensible Markup Language)</a:t>
             </a:r>
           </a:p>
           <a:p>
@@ -2732,7 +3739,7 @@
               </a:defRPr>
             </a:pPr>
             <a:r>
-              <a:t> Markdown</a:t>
+              <a:t> Características de XML</a:t>
             </a:r>
           </a:p>
           <a:p>
@@ -2757,7 +3764,7 @@
               </a:defRPr>
             </a:pPr>
             <a:r>
-              <a:t> LaTeX</a:t>
+              <a:t> XHTML (eXtensible HyperText Markup Language)</a:t>
             </a:r>
           </a:p>
           <a:p>
@@ -2782,7 +3789,7 @@
               </a:defRPr>
             </a:pPr>
             <a:r>
-              <a:t> JSON (JavaScript Object Notation)</a:t>
+              <a:t> Características de XHTML</a:t>
             </a:r>
           </a:p>
           <a:p>
@@ -2807,7 +3814,182 @@
               </a:defRPr>
             </a:pPr>
             <a:r>
+              <a:t> Markdown</a:t>
+            </a:r>
+          </a:p>
+          <a:p>
+            <a:pPr>
+              <a:lnSpc>
+                <a:spcPct val="120000"/>
+              </a:lnSpc>
+              <a:buClr>
+                <a:srgbClr val="424242"/>
+              </a:buClr>
+              <a:buSzPct val="100000"/>
+              <a:buFont typeface="Trebuchet MS"/>
+              <a:buChar char="-"/>
+              <a:defRPr b="1" sz="2000">
+                <a:solidFill>
+                  <a:srgbClr val="424242"/>
+                </a:solidFill>
+                <a:latin typeface="Times New Roman"/>
+                <a:ea typeface="Times New Roman"/>
+                <a:cs typeface="Times New Roman"/>
+                <a:sym typeface="Times New Roman"/>
+              </a:defRPr>
+            </a:pPr>
+            <a:r>
+              <a:t> Características de Markdown</a:t>
+            </a:r>
+          </a:p>
+          <a:p>
+            <a:pPr>
+              <a:lnSpc>
+                <a:spcPct val="120000"/>
+              </a:lnSpc>
+              <a:buClr>
+                <a:srgbClr val="424242"/>
+              </a:buClr>
+              <a:buSzPct val="100000"/>
+              <a:buFont typeface="Trebuchet MS"/>
+              <a:buChar char="-"/>
+              <a:defRPr b="1" sz="2000">
+                <a:solidFill>
+                  <a:srgbClr val="424242"/>
+                </a:solidFill>
+                <a:latin typeface="Times New Roman"/>
+                <a:ea typeface="Times New Roman"/>
+                <a:cs typeface="Times New Roman"/>
+                <a:sym typeface="Times New Roman"/>
+              </a:defRPr>
+            </a:pPr>
+            <a:r>
+              <a:t> LaTeX</a:t>
+            </a:r>
+          </a:p>
+          <a:p>
+            <a:pPr>
+              <a:lnSpc>
+                <a:spcPct val="120000"/>
+              </a:lnSpc>
+              <a:buClr>
+                <a:srgbClr val="424242"/>
+              </a:buClr>
+              <a:buSzPct val="100000"/>
+              <a:buFont typeface="Trebuchet MS"/>
+              <a:buChar char="-"/>
+              <a:defRPr b="1" sz="2000">
+                <a:solidFill>
+                  <a:srgbClr val="424242"/>
+                </a:solidFill>
+                <a:latin typeface="Times New Roman"/>
+                <a:ea typeface="Times New Roman"/>
+                <a:cs typeface="Times New Roman"/>
+                <a:sym typeface="Times New Roman"/>
+              </a:defRPr>
+            </a:pPr>
+            <a:r>
+              <a:t> Características de LaTeX</a:t>
+            </a:r>
+          </a:p>
+          <a:p>
+            <a:pPr>
+              <a:lnSpc>
+                <a:spcPct val="120000"/>
+              </a:lnSpc>
+              <a:buClr>
+                <a:srgbClr val="424242"/>
+              </a:buClr>
+              <a:buSzPct val="100000"/>
+              <a:buFont typeface="Trebuchet MS"/>
+              <a:buChar char="-"/>
+              <a:defRPr b="1" sz="2000">
+                <a:solidFill>
+                  <a:srgbClr val="424242"/>
+                </a:solidFill>
+                <a:latin typeface="Times New Roman"/>
+                <a:ea typeface="Times New Roman"/>
+                <a:cs typeface="Times New Roman"/>
+                <a:sym typeface="Times New Roman"/>
+              </a:defRPr>
+            </a:pPr>
+            <a:r>
+              <a:t> JSON (JavaScript Object Notation)</a:t>
+            </a:r>
+          </a:p>
+          <a:p>
+            <a:pPr>
+              <a:lnSpc>
+                <a:spcPct val="120000"/>
+              </a:lnSpc>
+              <a:buClr>
+                <a:srgbClr val="424242"/>
+              </a:buClr>
+              <a:buSzPct val="100000"/>
+              <a:buFont typeface="Trebuchet MS"/>
+              <a:buChar char="-"/>
+              <a:defRPr b="1" sz="2000">
+                <a:solidFill>
+                  <a:srgbClr val="424242"/>
+                </a:solidFill>
+                <a:latin typeface="Times New Roman"/>
+                <a:ea typeface="Times New Roman"/>
+                <a:cs typeface="Times New Roman"/>
+                <a:sym typeface="Times New Roman"/>
+              </a:defRPr>
+            </a:pPr>
+            <a:r>
+              <a:t> Características de JSON</a:t>
+            </a:r>
+          </a:p>
+          <a:p>
+            <a:pPr>
+              <a:lnSpc>
+                <a:spcPct val="120000"/>
+              </a:lnSpc>
+              <a:buClr>
+                <a:srgbClr val="424242"/>
+              </a:buClr>
+              <a:buSzPct val="100000"/>
+              <a:buFont typeface="Trebuchet MS"/>
+              <a:buChar char="-"/>
+              <a:defRPr b="1" sz="2000">
+                <a:solidFill>
+                  <a:srgbClr val="424242"/>
+                </a:solidFill>
+                <a:latin typeface="Times New Roman"/>
+                <a:ea typeface="Times New Roman"/>
+                <a:cs typeface="Times New Roman"/>
+                <a:sym typeface="Times New Roman"/>
+              </a:defRPr>
+            </a:pPr>
+            <a:r>
               <a:t> YAML (YAML Ain't Markup Language)</a:t>
+            </a:r>
+          </a:p>
+          <a:p>
+            <a:pPr>
+              <a:lnSpc>
+                <a:spcPct val="120000"/>
+              </a:lnSpc>
+              <a:buClr>
+                <a:srgbClr val="424242"/>
+              </a:buClr>
+              <a:buSzPct val="100000"/>
+              <a:buFont typeface="Trebuchet MS"/>
+              <a:buChar char="-"/>
+              <a:defRPr b="1" sz="2000">
+                <a:solidFill>
+                  <a:srgbClr val="424242"/>
+                </a:solidFill>
+                <a:latin typeface="Times New Roman"/>
+                <a:ea typeface="Times New Roman"/>
+                <a:cs typeface="Times New Roman"/>
+                <a:sym typeface="Times New Roman"/>
+              </a:defRPr>
+            </a:pPr>
+            <a:r>
+              <a:t> Características de YAML</a:t>
             </a:r>
           </a:p>
         </p:txBody>
@@ -2888,14 +4070,14 @@
       </p:sp>
       <p:sp>
         <p:nvSpPr>
-          <p:cNvPr id="86" name="Descripción: HTML es el lenguaje de marcado estándar para la creación de páginas web.…"/>
+          <p:cNvPr id="86" name="HTML es el lenguaje de marcado estándar para la creación de páginas web.…"/>
           <p:cNvSpPr txBox="1"/>
           <p:nvPr/>
         </p:nvSpPr>
         <p:spPr>
           <a:xfrm>
             <a:off x="914400" y="1800225"/>
-            <a:ext cx="7315200" cy="1541150"/>
+            <a:ext cx="7315200" cy="1249050"/>
           </a:xfrm>
           <a:prstGeom prst="rect">
             <a:avLst/>
@@ -2927,7 +4109,7 @@
               </a:defRPr>
             </a:pPr>
             <a:r>
-              <a:t>Descripción: HTML es el lenguaje de marcado estándar para la creación de páginas web.</a:t>
+              <a:t>HTML es el lenguaje de marcado estándar para la creación de páginas web.</a:t>
             </a:r>
           </a:p>
           <a:p>
@@ -2943,7 +4125,7 @@
               </a:defRPr>
             </a:pPr>
             <a:r>
-              <a:t>Características: Estructura de documento, interactividad y compatibilidad.</a:t>
+              <a:t>Permite la estructuración de contenido mediante etiquetas.</a:t>
             </a:r>
           </a:p>
           <a:p>
@@ -2959,7 +4141,7 @@
               </a:defRPr>
             </a:pPr>
             <a:r>
-              <a:t>Ámbitos de aplicación: Desarrollo de sitios web y aplicaciones web.</a:t>
+              <a:t>Ámbitos de aplicación: desarrollo de sitios web y aplicaciones web.</a:t>
             </a:r>
           </a:p>
         </p:txBody>
@@ -2992,7 +4174,7 @@
       </p:grpSpPr>
       <p:sp>
         <p:nvSpPr>
-          <p:cNvPr id="88" name="XML (eXtensible Markup Language)"/>
+          <p:cNvPr id="88" name="Características de HTML"/>
           <p:cNvSpPr txBox="1"/>
           <p:nvPr/>
         </p:nvSpPr>
@@ -3033,21 +4215,21 @@
           <a:p>
             <a:pPr/>
             <a:r>
-              <a:t>XML (eXtensible Markup Language)</a:t>
+              <a:t>Características de HTML</a:t>
             </a:r>
           </a:p>
         </p:txBody>
       </p:sp>
       <p:sp>
         <p:nvSpPr>
-          <p:cNvPr id="89" name="Descripción: XML permite definir etiquetas personalizadas, enfocado en el contenido.…"/>
+          <p:cNvPr id="89" name="Organiza el contenido en una jerarquía clara mediante etiquetas.…"/>
           <p:cNvSpPr txBox="1"/>
           <p:nvPr/>
         </p:nvSpPr>
         <p:spPr>
           <a:xfrm>
             <a:off x="914400" y="1800225"/>
-            <a:ext cx="7315200" cy="1541150"/>
+            <a:ext cx="7315200" cy="956950"/>
           </a:xfrm>
           <a:prstGeom prst="rect">
             <a:avLst/>
@@ -3079,7 +4261,7 @@
               </a:defRPr>
             </a:pPr>
             <a:r>
-              <a:t>Descripción: XML permite definir etiquetas personalizadas, enfocado en el contenido.</a:t>
+              <a:t>Organiza el contenido en una jerarquía clara mediante etiquetas.</a:t>
             </a:r>
           </a:p>
           <a:p>
@@ -3095,7 +4277,7 @@
               </a:defRPr>
             </a:pPr>
             <a:r>
-              <a:t>Características: Personalización, legibilidad y validación.</a:t>
+              <a:t>Permite la interacción del usuario a través de enlaces y formularios.</a:t>
             </a:r>
           </a:p>
           <a:p>
@@ -3111,7 +4293,7 @@
               </a:defRPr>
             </a:pPr>
             <a:r>
-              <a:t>Ámbitos de aplicación: Intercambio de datos entre aplicaciones y almacenamiento de datos estructurados.</a:t>
+              <a:t>Compatible con todos los navegadores web.</a:t>
             </a:r>
           </a:p>
         </p:txBody>
@@ -3144,14 +4326,14 @@
       </p:grpSpPr>
       <p:sp>
         <p:nvSpPr>
-          <p:cNvPr id="91" name="XHTML (eXtensible HyperText Markup Language)"/>
+          <p:cNvPr id="91" name="XML (eXtensible Markup Language)"/>
           <p:cNvSpPr txBox="1"/>
           <p:nvPr/>
         </p:nvSpPr>
         <p:spPr>
           <a:xfrm>
             <a:off x="914400" y="1028700"/>
-            <a:ext cx="7315200" cy="889134"/>
+            <a:ext cx="7315200" cy="482734"/>
           </a:xfrm>
           <a:prstGeom prst="rect">
             <a:avLst/>
@@ -3185,21 +4367,21 @@
           <a:p>
             <a:pPr/>
             <a:r>
-              <a:t>XHTML (eXtensible HyperText Markup Language)</a:t>
+              <a:t>XML (eXtensible Markup Language)</a:t>
             </a:r>
           </a:p>
         </p:txBody>
       </p:sp>
       <p:sp>
         <p:nvSpPr>
-          <p:cNvPr id="92" name="Descripción: Reformulación de HTML 4.01 basada en XML.…"/>
+          <p:cNvPr id="92" name="XML permite definir etiquetas personalizadas, ofreciendo flexibilidad en la representación de datos.…"/>
           <p:cNvSpPr txBox="1"/>
           <p:nvPr/>
         </p:nvSpPr>
         <p:spPr>
           <a:xfrm>
             <a:off x="914400" y="1800225"/>
-            <a:ext cx="7315200" cy="1249050"/>
+            <a:ext cx="7315200" cy="1541150"/>
           </a:xfrm>
           <a:prstGeom prst="rect">
             <a:avLst/>
@@ -3231,7 +4413,7 @@
               </a:defRPr>
             </a:pPr>
             <a:r>
-              <a:t>Descripción: Reformulación de HTML 4.01 basada en XML.</a:t>
+              <a:t>XML permite definir etiquetas personalizadas, ofreciendo flexibilidad en la representación de datos.</a:t>
             </a:r>
           </a:p>
           <a:p>
@@ -3247,7 +4429,7 @@
               </a:defRPr>
             </a:pPr>
             <a:r>
-              <a:t>Características: Sintaxis estricta y interoperabilidad.</a:t>
+              <a:t>Se centra en el contenido y estructura de los datos.</a:t>
             </a:r>
           </a:p>
           <a:p>
@@ -3263,7 +4445,7 @@
               </a:defRPr>
             </a:pPr>
             <a:r>
-              <a:t>Ámbitos de aplicación: Desarrollo web donde se requiere precisión en la sintaxis.</a:t>
+              <a:t>Ámbitos de aplicación: intercambio de datos, servicios web, almacenamiento de datos estructurados.</a:t>
             </a:r>
           </a:p>
         </p:txBody>
@@ -3296,7 +4478,7 @@
       </p:grpSpPr>
       <p:sp>
         <p:nvSpPr>
-          <p:cNvPr id="94" name="Markdown"/>
+          <p:cNvPr id="94" name="Características de XML"/>
           <p:cNvSpPr txBox="1"/>
           <p:nvPr/>
         </p:nvSpPr>
@@ -3337,21 +4519,21 @@
           <a:p>
             <a:pPr/>
             <a:r>
-              <a:t>Markdown</a:t>
+              <a:t>Características de XML</a:t>
             </a:r>
           </a:p>
         </p:txBody>
       </p:sp>
       <p:sp>
         <p:nvSpPr>
-          <p:cNvPr id="95" name="Descripción: Lenguaje de marcado ligero para convertir texto plano en HTML.…"/>
+          <p:cNvPr id="95" name="Permite la personalización de etiquetas.…"/>
           <p:cNvSpPr txBox="1"/>
           <p:nvPr/>
         </p:nvSpPr>
         <p:spPr>
           <a:xfrm>
             <a:off x="914400" y="1800225"/>
-            <a:ext cx="7315200" cy="1249050"/>
+            <a:ext cx="7315200" cy="956950"/>
           </a:xfrm>
           <a:prstGeom prst="rect">
             <a:avLst/>
@@ -3383,7 +4565,7 @@
               </a:defRPr>
             </a:pPr>
             <a:r>
-              <a:t>Descripción: Lenguaje de marcado ligero para convertir texto plano en HTML.</a:t>
+              <a:t>Permite la personalización de etiquetas.</a:t>
             </a:r>
           </a:p>
           <a:p>
@@ -3399,7 +4581,7 @@
               </a:defRPr>
             </a:pPr>
             <a:r>
-              <a:t>Características: Sintaxis sencilla y conversión rápida.</a:t>
+              <a:t>Es legible para humanos y máquinas.</a:t>
             </a:r>
           </a:p>
           <a:p>
@@ -3415,7 +4597,7 @@
               </a:defRPr>
             </a:pPr>
             <a:r>
-              <a:t>Ámbitos de aplicación: Escritura de documentación y blogs.</a:t>
+              <a:t>Puede validarse mediante DTD o XML Schema.</a:t>
             </a:r>
           </a:p>
         </p:txBody>
@@ -3448,14 +4630,14 @@
       </p:grpSpPr>
       <p:sp>
         <p:nvSpPr>
-          <p:cNvPr id="97" name="LaTeX"/>
+          <p:cNvPr id="97" name="XHTML (eXtensible HyperText Markup Language)"/>
           <p:cNvSpPr txBox="1"/>
           <p:nvPr/>
         </p:nvSpPr>
         <p:spPr>
           <a:xfrm>
             <a:off x="914400" y="1028700"/>
-            <a:ext cx="7315200" cy="482734"/>
+            <a:ext cx="7315200" cy="889134"/>
           </a:xfrm>
           <a:prstGeom prst="rect">
             <a:avLst/>
@@ -3489,21 +4671,21 @@
           <a:p>
             <a:pPr/>
             <a:r>
-              <a:t>LaTeX</a:t>
+              <a:t>XHTML (eXtensible HyperText Markup Language)</a:t>
             </a:r>
           </a:p>
         </p:txBody>
       </p:sp>
       <p:sp>
         <p:nvSpPr>
-          <p:cNvPr id="98" name="Descripción: Sistema de preparación de documentos para textos científicos.…"/>
+          <p:cNvPr id="98" name="Reformulación de HTML 4.01 basada en XML.…"/>
           <p:cNvSpPr txBox="1"/>
           <p:nvPr/>
         </p:nvSpPr>
         <p:spPr>
           <a:xfrm>
             <a:off x="914400" y="1800225"/>
-            <a:ext cx="7315200" cy="1541150"/>
+            <a:ext cx="7315200" cy="1249050"/>
           </a:xfrm>
           <a:prstGeom prst="rect">
             <a:avLst/>
@@ -3535,7 +4717,7 @@
               </a:defRPr>
             </a:pPr>
             <a:r>
-              <a:t>Descripción: Sistema de preparación de documentos para textos científicos.</a:t>
+              <a:t>Reformulación de HTML 4.01 basada en XML.</a:t>
             </a:r>
           </a:p>
           <a:p>
@@ -3551,7 +4733,7 @@
               </a:defRPr>
             </a:pPr>
             <a:r>
-              <a:t>Características: Calidad tipográfica y soporte para ecuaciones.</a:t>
+              <a:t>Diseñado para ser más estricto y compatible con aplicaciones basadas en XML.</a:t>
             </a:r>
           </a:p>
           <a:p>
@@ -3567,7 +4749,7 @@
               </a:defRPr>
             </a:pPr>
             <a:r>
-              <a:t>Ámbitos de aplicación: Elaboración de tesis y publicaciones académicas.</a:t>
+              <a:t>Ámbitos de aplicación: desarrollo web.</a:t>
             </a:r>
           </a:p>
         </p:txBody>
@@ -3600,7 +4782,7 @@
       </p:grpSpPr>
       <p:sp>
         <p:nvSpPr>
-          <p:cNvPr id="100" name="JSON (JavaScript Object Notation)"/>
+          <p:cNvPr id="100" name="Características de XHTML"/>
           <p:cNvSpPr txBox="1"/>
           <p:nvPr/>
         </p:nvSpPr>
@@ -3641,21 +4823,21 @@
           <a:p>
             <a:pPr/>
             <a:r>
-              <a:t>JSON (JavaScript Object Notation)</a:t>
+              <a:t>Características de XHTML</a:t>
             </a:r>
           </a:p>
         </p:txBody>
       </p:sp>
       <p:sp>
         <p:nvSpPr>
-          <p:cNvPr id="101" name="Descripción: Formato de intercambio de datos organizado en pares clave-valor.…"/>
+          <p:cNvPr id="101" name="Todos los elementos deben estar correctamente cerrados y anidados.…"/>
           <p:cNvSpPr txBox="1"/>
           <p:nvPr/>
         </p:nvSpPr>
         <p:spPr>
           <a:xfrm>
             <a:off x="914400" y="1800225"/>
-            <a:ext cx="7315200" cy="1541150"/>
+            <a:ext cx="7315200" cy="664850"/>
           </a:xfrm>
           <a:prstGeom prst="rect">
             <a:avLst/>
@@ -3687,7 +4869,7 @@
               </a:defRPr>
             </a:pPr>
             <a:r>
-              <a:t>Descripción: Formato de intercambio de datos organizado en pares clave-valor.</a:t>
+              <a:t>Todos los elementos deben estar correctamente cerrados y anidados.</a:t>
             </a:r>
           </a:p>
           <a:p>
@@ -3703,23 +4885,7 @@
               </a:defRPr>
             </a:pPr>
             <a:r>
-              <a:t>Características: Ligero y eficiente, fácil lectura.</a:t>
-            </a:r>
-          </a:p>
-          <a:p>
-            <a:pPr>
-              <a:defRPr sz="2000">
-                <a:solidFill>
-                  <a:srgbClr val="424242"/>
-                </a:solidFill>
-                <a:latin typeface="Times New Roman"/>
-                <a:ea typeface="Times New Roman"/>
-                <a:cs typeface="Times New Roman"/>
-                <a:sym typeface="Times New Roman"/>
-              </a:defRPr>
-            </a:pPr>
-            <a:r>
-              <a:t>Ámbitos de aplicación: Comunicación entre servidores y clientes en aplicaciones web.</a:t>
+              <a:t>Mejora la interoperabilidad entre navegadores.</a:t>
             </a:r>
           </a:p>
         </p:txBody>
@@ -3734,9 +4900,9 @@
 </file>
 
 <file path=ppt/theme/theme1.xml><?xml version="1.0" encoding="utf-8"?>
-<a:theme xmlns:a="http://schemas.openxmlformats.org/drawingml/2006/main" xmlns:r="http://schemas.openxmlformats.org/officeDocument/2006/relationships" name="Theme55">
+<a:theme xmlns:a="http://schemas.openxmlformats.org/drawingml/2006/main" xmlns:r="http://schemas.openxmlformats.org/officeDocument/2006/relationships" name="Theme87">
   <a:themeElements>
-    <a:clrScheme name="Theme55">
+    <a:clrScheme name="Theme87">
       <a:dk1>
         <a:srgbClr val="000000"/>
       </a:dk1>
@@ -3774,19 +4940,19 @@
         <a:srgbClr val="FF00FF"/>
       </a:folHlink>
     </a:clrScheme>
-    <a:fontScheme name="Theme55">
+    <a:fontScheme name="Theme87">
       <a:majorFont>
         <a:latin typeface="Helvetica"/>
         <a:ea typeface="Helvetica"/>
         <a:cs typeface="Helvetica"/>
       </a:majorFont>
       <a:minorFont>
-        <a:latin typeface="Calibri"/>
-        <a:ea typeface="Calibri"/>
-        <a:cs typeface="Calibri"/>
+        <a:latin typeface="Helvetica"/>
+        <a:ea typeface="Helvetica"/>
+        <a:cs typeface="Helvetica"/>
       </a:minorFont>
     </a:fontScheme>
-    <a:fmtScheme name="Theme55">
+    <a:fmtScheme name="Theme87">
       <a:fillStyleLst>
         <a:solidFill>
           <a:schemeClr val="phClr"/>
@@ -3991,7 +5157,7 @@
             <a:latin typeface="+mn-lt"/>
             <a:ea typeface="+mn-ea"/>
             <a:cs typeface="+mn-cs"/>
-            <a:sym typeface="Calibri"/>
+            <a:sym typeface="Helvetica"/>
           </a:defRPr>
         </a:defPPr>
         <a:lvl1pPr marL="0" marR="0" indent="0" algn="l" defTabSz="914400" rtl="0" fontAlgn="auto" latinLnBrk="1" hangingPunct="0">
@@ -4568,7 +5734,7 @@
             <a:latin typeface="+mn-lt"/>
             <a:ea typeface="+mn-ea"/>
             <a:cs typeface="+mn-cs"/>
-            <a:sym typeface="Calibri"/>
+            <a:sym typeface="Helvetica"/>
           </a:defRPr>
         </a:defPPr>
         <a:lvl1pPr marL="0" marR="0" indent="0" algn="l" defTabSz="914400" rtl="0" fontAlgn="auto" latinLnBrk="1" hangingPunct="0">
@@ -4818,9 +5984,9 @@
 </file>
 
 <file path=ppt/theme/theme2.xml><?xml version="1.0" encoding="utf-8"?>
-<a:theme xmlns:a="http://schemas.openxmlformats.org/drawingml/2006/main" xmlns:r="http://schemas.openxmlformats.org/officeDocument/2006/relationships" name="Theme55">
+<a:theme xmlns:a="http://schemas.openxmlformats.org/drawingml/2006/main" xmlns:r="http://schemas.openxmlformats.org/officeDocument/2006/relationships" name="Theme87">
   <a:themeElements>
-    <a:clrScheme name="Theme55">
+    <a:clrScheme name="Theme87">
       <a:dk1>
         <a:srgbClr val="000000"/>
       </a:dk1>
@@ -4858,19 +6024,19 @@
         <a:srgbClr val="FF00FF"/>
       </a:folHlink>
     </a:clrScheme>
-    <a:fontScheme name="Theme55">
+    <a:fontScheme name="Theme87">
       <a:majorFont>
         <a:latin typeface="Helvetica"/>
         <a:ea typeface="Helvetica"/>
         <a:cs typeface="Helvetica"/>
       </a:majorFont>
       <a:minorFont>
-        <a:latin typeface="Calibri"/>
-        <a:ea typeface="Calibri"/>
-        <a:cs typeface="Calibri"/>
+        <a:latin typeface="Helvetica"/>
+        <a:ea typeface="Helvetica"/>
+        <a:cs typeface="Helvetica"/>
       </a:minorFont>
     </a:fontScheme>
-    <a:fmtScheme name="Theme55">
+    <a:fmtScheme name="Theme87">
       <a:fillStyleLst>
         <a:solidFill>
           <a:schemeClr val="phClr"/>
@@ -5075,7 +6241,7 @@
             <a:latin typeface="+mn-lt"/>
             <a:ea typeface="+mn-ea"/>
             <a:cs typeface="+mn-cs"/>
-            <a:sym typeface="Calibri"/>
+            <a:sym typeface="Helvetica"/>
           </a:defRPr>
         </a:defPPr>
         <a:lvl1pPr marL="0" marR="0" indent="0" algn="l" defTabSz="914400" rtl="0" fontAlgn="auto" latinLnBrk="1" hangingPunct="0">
@@ -5652,7 +6818,7 @@
             <a:latin typeface="+mn-lt"/>
             <a:ea typeface="+mn-ea"/>
             <a:cs typeface="+mn-cs"/>
-            <a:sym typeface="Calibri"/>
+            <a:sym typeface="Helvetica"/>
           </a:defRPr>
         </a:defPPr>
         <a:lvl1pPr marL="0" marR="0" indent="0" algn="l" defTabSz="914400" rtl="0" fontAlgn="auto" latinLnBrk="1" hangingPunct="0">
